--- a/clase_7/teoria/Clase_7.pptx
+++ b/clase_7/teoria/Clase_7.pptx
@@ -296,10 +296,18 @@
       </p15:sldGuideLst>
     </p:ext>
     <p:ext uri="GoogleSlidesCustomDataVersion2">
-      <go:slidesCustomData xmlns:go="http://customooxmlschemas.google.com/" xmlns:ahyp="http://schemas.microsoft.com/office/drawing/2018/hyperlinkcolor" xmlns:p15="http://schemas.microsoft.com/office/powerpoint/2012/main" xmlns:p14="http://schemas.microsoft.com/office/powerpoint/2010/main" xmlns:com="http://schemas.openxmlformats.org/drawingml/2006/compatibility" xmlns:pvml="urn:schemas-microsoft-com:office:powerpoint" xmlns:v="urn:schemas-microsoft-com:vml" xmlns:o="urn:schemas-microsoft-com:office:office" xmlns:dgm="http://schemas.openxmlformats.org/drawingml/2006/diagram" xmlns:c="http://schemas.openxmlformats.org/drawingml/2006/chart" xmlns:mv="urn:schemas-microsoft-com:mac:vml" xmlns:mc="http://schemas.openxmlformats.org/markup-compatibility/2006" xmlns="" r:id="rId35" roundtripDataSignature="AMtx7mjFLyGGbKtZ6MKWK8o6r1g77If8Vw=="/>
+      <go:slidesCustomData xmlns="" xmlns:mc="http://schemas.openxmlformats.org/markup-compatibility/2006" xmlns:mv="urn:schemas-microsoft-com:mac:vml" xmlns:c="http://schemas.openxmlformats.org/drawingml/2006/chart" xmlns:dgm="http://schemas.openxmlformats.org/drawingml/2006/diagram" xmlns:o="urn:schemas-microsoft-com:office:office" xmlns:v="urn:schemas-microsoft-com:vml" xmlns:pvml="urn:schemas-microsoft-com:office:powerpoint" xmlns:com="http://schemas.openxmlformats.org/drawingml/2006/compatibility" xmlns:p14="http://schemas.microsoft.com/office/powerpoint/2010/main" xmlns:p15="http://schemas.microsoft.com/office/powerpoint/2012/main" xmlns:ahyp="http://schemas.microsoft.com/office/drawing/2018/hyperlinkcolor" xmlns:go="http://customooxmlschemas.google.com/" r:id="rId35" roundtripDataSignature="AMtx7mjFLyGGbKtZ6MKWK8o6r1g77If8Vw=="/>
     </p:ext>
   </p:extLst>
 </p:presentation>
+</file>
+
+<file path=ppt/revisionInfo.xml><?xml version="1.0" encoding="utf-8"?>
+<p1510:revInfo xmlns:a="http://schemas.openxmlformats.org/drawingml/2006/main" xmlns:r="http://schemas.openxmlformats.org/officeDocument/2006/relationships" xmlns:p1510="http://schemas.microsoft.com/office/powerpoint/2015/10/main">
+  <p1510:revLst>
+    <p1510:client id="{43A9A6CF-50A8-4C49-B3FC-C757393354D3}" v="3" dt="2025-06-11T00:43:36.635"/>
+  </p1510:revLst>
+</p1510:revInfo>
 </file>
 
 <file path=ppt/changesInfos/changesInfo1.xml><?xml version="1.0" encoding="utf-8"?>
@@ -317,14 +325,6 @@
           <pc:docMk/>
           <pc:sldMk cId="0" sldId="258"/>
         </pc:sldMkLst>
-        <pc:spChg chg="mod">
-          <ac:chgData name="Marcos Maillot" userId="fa14b39d-e966-4ebb-a436-4f96f84b9577" providerId="ADAL" clId="{C3C0A1FC-2EA7-4DA5-85B4-8CCFBB75DE9E}" dt="2024-08-09T20:54:26.696" v="0" actId="14100"/>
-          <ac:spMkLst>
-            <pc:docMk/>
-            <pc:sldMk cId="0" sldId="258"/>
-            <ac:spMk id="96" creationId="{00000000-0000-0000-0000-000000000000}"/>
-          </ac:spMkLst>
-        </pc:spChg>
       </pc:sldChg>
       <pc:sldChg chg="modSp mod">
         <pc:chgData name="Marcos Maillot" userId="fa14b39d-e966-4ebb-a436-4f96f84b9577" providerId="ADAL" clId="{C3C0A1FC-2EA7-4DA5-85B4-8CCFBB75DE9E}" dt="2024-08-09T20:54:39.343" v="8" actId="5793"/>
@@ -332,14 +332,6 @@
           <pc:docMk/>
           <pc:sldMk cId="0" sldId="260"/>
         </pc:sldMkLst>
-        <pc:spChg chg="mod">
-          <ac:chgData name="Marcos Maillot" userId="fa14b39d-e966-4ebb-a436-4f96f84b9577" providerId="ADAL" clId="{C3C0A1FC-2EA7-4DA5-85B4-8CCFBB75DE9E}" dt="2024-08-09T20:54:39.343" v="8" actId="5793"/>
-          <ac:spMkLst>
-            <pc:docMk/>
-            <pc:sldMk cId="0" sldId="260"/>
-            <ac:spMk id="117" creationId="{00000000-0000-0000-0000-000000000000}"/>
-          </ac:spMkLst>
-        </pc:spChg>
       </pc:sldChg>
       <pc:sldChg chg="modSp mod">
         <pc:chgData name="Marcos Maillot" userId="fa14b39d-e966-4ebb-a436-4f96f84b9577" providerId="ADAL" clId="{C3C0A1FC-2EA7-4DA5-85B4-8CCFBB75DE9E}" dt="2024-08-09T20:54:55.488" v="20" actId="5793"/>
@@ -347,22 +339,6 @@
           <pc:docMk/>
           <pc:sldMk cId="0" sldId="261"/>
         </pc:sldMkLst>
-        <pc:spChg chg="mod">
-          <ac:chgData name="Marcos Maillot" userId="fa14b39d-e966-4ebb-a436-4f96f84b9577" providerId="ADAL" clId="{C3C0A1FC-2EA7-4DA5-85B4-8CCFBB75DE9E}" dt="2024-08-09T20:54:55.488" v="20" actId="5793"/>
-          <ac:spMkLst>
-            <pc:docMk/>
-            <pc:sldMk cId="0" sldId="261"/>
-            <ac:spMk id="125" creationId="{00000000-0000-0000-0000-000000000000}"/>
-          </ac:spMkLst>
-        </pc:spChg>
-        <pc:spChg chg="mod">
-          <ac:chgData name="Marcos Maillot" userId="fa14b39d-e966-4ebb-a436-4f96f84b9577" providerId="ADAL" clId="{C3C0A1FC-2EA7-4DA5-85B4-8CCFBB75DE9E}" dt="2024-08-09T20:54:47.087" v="14" actId="5793"/>
-          <ac:spMkLst>
-            <pc:docMk/>
-            <pc:sldMk cId="0" sldId="261"/>
-            <ac:spMk id="127" creationId="{00000000-0000-0000-0000-000000000000}"/>
-          </ac:spMkLst>
-        </pc:spChg>
       </pc:sldChg>
       <pc:sldChg chg="modSp mod">
         <pc:chgData name="Marcos Maillot" userId="fa14b39d-e966-4ebb-a436-4f96f84b9577" providerId="ADAL" clId="{C3C0A1FC-2EA7-4DA5-85B4-8CCFBB75DE9E}" dt="2024-08-09T20:58:40.545" v="25" actId="5793"/>
@@ -370,22 +346,6 @@
           <pc:docMk/>
           <pc:sldMk cId="0" sldId="270"/>
         </pc:sldMkLst>
-        <pc:spChg chg="mod">
-          <ac:chgData name="Marcos Maillot" userId="fa14b39d-e966-4ebb-a436-4f96f84b9577" providerId="ADAL" clId="{C3C0A1FC-2EA7-4DA5-85B4-8CCFBB75DE9E}" dt="2024-08-09T20:58:40.545" v="25" actId="5793"/>
-          <ac:spMkLst>
-            <pc:docMk/>
-            <pc:sldMk cId="0" sldId="270"/>
-            <ac:spMk id="206" creationId="{00000000-0000-0000-0000-000000000000}"/>
-          </ac:spMkLst>
-        </pc:spChg>
-        <pc:spChg chg="mod">
-          <ac:chgData name="Marcos Maillot" userId="fa14b39d-e966-4ebb-a436-4f96f84b9577" providerId="ADAL" clId="{C3C0A1FC-2EA7-4DA5-85B4-8CCFBB75DE9E}" dt="2024-08-09T20:58:37.638" v="21" actId="14100"/>
-          <ac:spMkLst>
-            <pc:docMk/>
-            <pc:sldMk cId="0" sldId="270"/>
-            <ac:spMk id="207" creationId="{00000000-0000-0000-0000-000000000000}"/>
-          </ac:spMkLst>
-        </pc:spChg>
       </pc:sldChg>
       <pc:sldChg chg="modSp mod">
         <pc:chgData name="Marcos Maillot" userId="fa14b39d-e966-4ebb-a436-4f96f84b9577" providerId="ADAL" clId="{C3C0A1FC-2EA7-4DA5-85B4-8CCFBB75DE9E}" dt="2024-08-09T20:58:49.644" v="33" actId="5793"/>
@@ -393,22 +353,6 @@
           <pc:docMk/>
           <pc:sldMk cId="0" sldId="272"/>
         </pc:sldMkLst>
-        <pc:spChg chg="mod">
-          <ac:chgData name="Marcos Maillot" userId="fa14b39d-e966-4ebb-a436-4f96f84b9577" providerId="ADAL" clId="{C3C0A1FC-2EA7-4DA5-85B4-8CCFBB75DE9E}" dt="2024-08-09T20:58:49.644" v="33" actId="5793"/>
-          <ac:spMkLst>
-            <pc:docMk/>
-            <pc:sldMk cId="0" sldId="272"/>
-            <ac:spMk id="222" creationId="{00000000-0000-0000-0000-000000000000}"/>
-          </ac:spMkLst>
-        </pc:spChg>
-        <pc:spChg chg="mod">
-          <ac:chgData name="Marcos Maillot" userId="fa14b39d-e966-4ebb-a436-4f96f84b9577" providerId="ADAL" clId="{C3C0A1FC-2EA7-4DA5-85B4-8CCFBB75DE9E}" dt="2024-08-09T20:58:46.252" v="29" actId="5793"/>
-          <ac:spMkLst>
-            <pc:docMk/>
-            <pc:sldMk cId="0" sldId="272"/>
-            <ac:spMk id="223" creationId="{00000000-0000-0000-0000-000000000000}"/>
-          </ac:spMkLst>
-        </pc:spChg>
       </pc:sldChg>
       <pc:sldChg chg="modSp mod">
         <pc:chgData name="Marcos Maillot" userId="fa14b39d-e966-4ebb-a436-4f96f84b9577" providerId="ADAL" clId="{C3C0A1FC-2EA7-4DA5-85B4-8CCFBB75DE9E}" dt="2024-08-09T20:59:33.349" v="54" actId="1076"/>
@@ -416,38 +360,6 @@
           <pc:docMk/>
           <pc:sldMk cId="0" sldId="273"/>
         </pc:sldMkLst>
-        <pc:spChg chg="mod">
-          <ac:chgData name="Marcos Maillot" userId="fa14b39d-e966-4ebb-a436-4f96f84b9577" providerId="ADAL" clId="{C3C0A1FC-2EA7-4DA5-85B4-8CCFBB75DE9E}" dt="2024-08-09T20:59:22.567" v="48"/>
-          <ac:spMkLst>
-            <pc:docMk/>
-            <pc:sldMk cId="0" sldId="273"/>
-            <ac:spMk id="229" creationId="{00000000-0000-0000-0000-000000000000}"/>
-          </ac:spMkLst>
-        </pc:spChg>
-        <pc:spChg chg="mod">
-          <ac:chgData name="Marcos Maillot" userId="fa14b39d-e966-4ebb-a436-4f96f84b9577" providerId="ADAL" clId="{C3C0A1FC-2EA7-4DA5-85B4-8CCFBB75DE9E}" dt="2024-08-09T20:59:25.939" v="52"/>
-          <ac:spMkLst>
-            <pc:docMk/>
-            <pc:sldMk cId="0" sldId="273"/>
-            <ac:spMk id="232" creationId="{00000000-0000-0000-0000-000000000000}"/>
-          </ac:spMkLst>
-        </pc:spChg>
-        <pc:spChg chg="mod">
-          <ac:chgData name="Marcos Maillot" userId="fa14b39d-e966-4ebb-a436-4f96f84b9577" providerId="ADAL" clId="{C3C0A1FC-2EA7-4DA5-85B4-8CCFBB75DE9E}" dt="2024-08-09T20:59:33.349" v="54" actId="1076"/>
-          <ac:spMkLst>
-            <pc:docMk/>
-            <pc:sldMk cId="0" sldId="273"/>
-            <ac:spMk id="236" creationId="{00000000-0000-0000-0000-000000000000}"/>
-          </ac:spMkLst>
-        </pc:spChg>
-        <pc:cxnChg chg="mod">
-          <ac:chgData name="Marcos Maillot" userId="fa14b39d-e966-4ebb-a436-4f96f84b9577" providerId="ADAL" clId="{C3C0A1FC-2EA7-4DA5-85B4-8CCFBB75DE9E}" dt="2024-08-09T20:59:29.678" v="53" actId="1076"/>
-          <ac:cxnSpMkLst>
-            <pc:docMk/>
-            <pc:sldMk cId="0" sldId="273"/>
-            <ac:cxnSpMk id="233" creationId="{00000000-0000-0000-0000-000000000000}"/>
-          </ac:cxnSpMkLst>
-        </pc:cxnChg>
       </pc:sldChg>
       <pc:sldChg chg="modSp mod">
         <pc:chgData name="Marcos Maillot" userId="fa14b39d-e966-4ebb-a436-4f96f84b9577" providerId="ADAL" clId="{C3C0A1FC-2EA7-4DA5-85B4-8CCFBB75DE9E}" dt="2024-08-09T20:59:41.955" v="58" actId="5793"/>
@@ -455,14 +367,6 @@
           <pc:docMk/>
           <pc:sldMk cId="0" sldId="275"/>
         </pc:sldMkLst>
-        <pc:spChg chg="mod">
-          <ac:chgData name="Marcos Maillot" userId="fa14b39d-e966-4ebb-a436-4f96f84b9577" providerId="ADAL" clId="{C3C0A1FC-2EA7-4DA5-85B4-8CCFBB75DE9E}" dt="2024-08-09T20:59:41.955" v="58" actId="5793"/>
-          <ac:spMkLst>
-            <pc:docMk/>
-            <pc:sldMk cId="0" sldId="275"/>
-            <ac:spMk id="253" creationId="{00000000-0000-0000-0000-000000000000}"/>
-          </ac:spMkLst>
-        </pc:spChg>
       </pc:sldChg>
       <pc:sldChg chg="modSp mod">
         <pc:chgData name="Marcos Maillot" userId="fa14b39d-e966-4ebb-a436-4f96f84b9577" providerId="ADAL" clId="{C3C0A1FC-2EA7-4DA5-85B4-8CCFBB75DE9E}" dt="2024-08-09T20:59:52.295" v="64" actId="5793"/>
@@ -470,14 +374,6 @@
           <pc:docMk/>
           <pc:sldMk cId="0" sldId="276"/>
         </pc:sldMkLst>
-        <pc:spChg chg="mod">
-          <ac:chgData name="Marcos Maillot" userId="fa14b39d-e966-4ebb-a436-4f96f84b9577" providerId="ADAL" clId="{C3C0A1FC-2EA7-4DA5-85B4-8CCFBB75DE9E}" dt="2024-08-09T20:59:52.295" v="64" actId="5793"/>
-          <ac:spMkLst>
-            <pc:docMk/>
-            <pc:sldMk cId="0" sldId="276"/>
-            <ac:spMk id="261" creationId="{00000000-0000-0000-0000-000000000000}"/>
-          </ac:spMkLst>
-        </pc:spChg>
       </pc:sldChg>
       <pc:sldChg chg="modSp mod">
         <pc:chgData name="Marcos Maillot" userId="fa14b39d-e966-4ebb-a436-4f96f84b9577" providerId="ADAL" clId="{C3C0A1FC-2EA7-4DA5-85B4-8CCFBB75DE9E}" dt="2024-08-09T20:59:56.258" v="68" actId="5793"/>
@@ -485,14 +381,6 @@
           <pc:docMk/>
           <pc:sldMk cId="0" sldId="277"/>
         </pc:sldMkLst>
-        <pc:spChg chg="mod">
-          <ac:chgData name="Marcos Maillot" userId="fa14b39d-e966-4ebb-a436-4f96f84b9577" providerId="ADAL" clId="{C3C0A1FC-2EA7-4DA5-85B4-8CCFBB75DE9E}" dt="2024-08-09T20:59:56.258" v="68" actId="5793"/>
-          <ac:spMkLst>
-            <pc:docMk/>
-            <pc:sldMk cId="0" sldId="277"/>
-            <ac:spMk id="272" creationId="{00000000-0000-0000-0000-000000000000}"/>
-          </ac:spMkLst>
-        </pc:spChg>
       </pc:sldChg>
       <pc:sldChg chg="modSp mod">
         <pc:chgData name="Marcos Maillot" userId="fa14b39d-e966-4ebb-a436-4f96f84b9577" providerId="ADAL" clId="{C3C0A1FC-2EA7-4DA5-85B4-8CCFBB75DE9E}" dt="2024-08-09T21:00:00.516" v="72" actId="5793"/>
@@ -500,14 +388,6 @@
           <pc:docMk/>
           <pc:sldMk cId="0" sldId="278"/>
         </pc:sldMkLst>
-        <pc:spChg chg="mod">
-          <ac:chgData name="Marcos Maillot" userId="fa14b39d-e966-4ebb-a436-4f96f84b9577" providerId="ADAL" clId="{C3C0A1FC-2EA7-4DA5-85B4-8CCFBB75DE9E}" dt="2024-08-09T21:00:00.516" v="72" actId="5793"/>
-          <ac:spMkLst>
-            <pc:docMk/>
-            <pc:sldMk cId="0" sldId="278"/>
-            <ac:spMk id="281" creationId="{00000000-0000-0000-0000-000000000000}"/>
-          </ac:spMkLst>
-        </pc:spChg>
       </pc:sldChg>
       <pc:sldChg chg="modSp mod">
         <pc:chgData name="Marcos Maillot" userId="fa14b39d-e966-4ebb-a436-4f96f84b9577" providerId="ADAL" clId="{C3C0A1FC-2EA7-4DA5-85B4-8CCFBB75DE9E}" dt="2024-08-09T21:00:05.764" v="78" actId="5793"/>
@@ -515,14 +395,6 @@
           <pc:docMk/>
           <pc:sldMk cId="0" sldId="279"/>
         </pc:sldMkLst>
-        <pc:spChg chg="mod">
-          <ac:chgData name="Marcos Maillot" userId="fa14b39d-e966-4ebb-a436-4f96f84b9577" providerId="ADAL" clId="{C3C0A1FC-2EA7-4DA5-85B4-8CCFBB75DE9E}" dt="2024-08-09T21:00:05.764" v="78" actId="5793"/>
-          <ac:spMkLst>
-            <pc:docMk/>
-            <pc:sldMk cId="0" sldId="279"/>
-            <ac:spMk id="288" creationId="{00000000-0000-0000-0000-000000000000}"/>
-          </ac:spMkLst>
-        </pc:spChg>
       </pc:sldChg>
       <pc:sldChg chg="modSp mod">
         <pc:chgData name="Marcos Maillot" userId="fa14b39d-e966-4ebb-a436-4f96f84b9577" providerId="ADAL" clId="{C3C0A1FC-2EA7-4DA5-85B4-8CCFBB75DE9E}" dt="2024-08-09T21:00:09.387" v="82" actId="5793"/>
@@ -530,14 +402,6 @@
           <pc:docMk/>
           <pc:sldMk cId="0" sldId="280"/>
         </pc:sldMkLst>
-        <pc:spChg chg="mod">
-          <ac:chgData name="Marcos Maillot" userId="fa14b39d-e966-4ebb-a436-4f96f84b9577" providerId="ADAL" clId="{C3C0A1FC-2EA7-4DA5-85B4-8CCFBB75DE9E}" dt="2024-08-09T21:00:09.387" v="82" actId="5793"/>
-          <ac:spMkLst>
-            <pc:docMk/>
-            <pc:sldMk cId="0" sldId="280"/>
-            <ac:spMk id="295" creationId="{00000000-0000-0000-0000-000000000000}"/>
-          </ac:spMkLst>
-        </pc:spChg>
       </pc:sldChg>
     </pc:docChg>
   </pc:docChgLst>
@@ -554,22 +418,6 @@
           <pc:docMk/>
           <pc:sldMk cId="0" sldId="257"/>
         </pc:sldMkLst>
-        <pc:spChg chg="mod">
-          <ac:chgData name="Marcos Maillot" userId="fa14b39d-e966-4ebb-a436-4f96f84b9577" providerId="ADAL" clId="{105229BA-9AA1-47D4-847D-E03C0431CECE}" dt="2024-10-04T17:12:44.952" v="98" actId="20577"/>
-          <ac:spMkLst>
-            <pc:docMk/>
-            <pc:sldMk cId="0" sldId="257"/>
-            <ac:spMk id="82" creationId="{00000000-0000-0000-0000-000000000000}"/>
-          </ac:spMkLst>
-        </pc:spChg>
-        <pc:spChg chg="mod">
-          <ac:chgData name="Marcos Maillot" userId="fa14b39d-e966-4ebb-a436-4f96f84b9577" providerId="ADAL" clId="{105229BA-9AA1-47D4-847D-E03C0431CECE}" dt="2024-10-04T17:13:09.539" v="106" actId="20577"/>
-          <ac:spMkLst>
-            <pc:docMk/>
-            <pc:sldMk cId="0" sldId="257"/>
-            <ac:spMk id="84" creationId="{00000000-0000-0000-0000-000000000000}"/>
-          </ac:spMkLst>
-        </pc:spChg>
       </pc:sldChg>
       <pc:sldChg chg="modSp mod">
         <pc:chgData name="Marcos Maillot" userId="fa14b39d-e966-4ebb-a436-4f96f84b9577" providerId="ADAL" clId="{105229BA-9AA1-47D4-847D-E03C0431CECE}" dt="2024-10-04T17:11:34.288" v="40" actId="5793"/>
@@ -577,14 +425,6 @@
           <pc:docMk/>
           <pc:sldMk cId="0" sldId="260"/>
         </pc:sldMkLst>
-        <pc:spChg chg="mod">
-          <ac:chgData name="Marcos Maillot" userId="fa14b39d-e966-4ebb-a436-4f96f84b9577" providerId="ADAL" clId="{105229BA-9AA1-47D4-847D-E03C0431CECE}" dt="2024-10-04T17:11:34.288" v="40" actId="5793"/>
-          <ac:spMkLst>
-            <pc:docMk/>
-            <pc:sldMk cId="0" sldId="260"/>
-            <ac:spMk id="113" creationId="{00000000-0000-0000-0000-000000000000}"/>
-          </ac:spMkLst>
-        </pc:spChg>
       </pc:sldChg>
       <pc:sldChg chg="modSp mod">
         <pc:chgData name="Marcos Maillot" userId="fa14b39d-e966-4ebb-a436-4f96f84b9577" providerId="ADAL" clId="{105229BA-9AA1-47D4-847D-E03C0431CECE}" dt="2024-10-04T17:12:03.614" v="63" actId="5793"/>
@@ -592,18 +432,876 @@
           <pc:docMk/>
           <pc:sldMk cId="0" sldId="262"/>
         </pc:sldMkLst>
-        <pc:spChg chg="mod">
-          <ac:chgData name="Marcos Maillot" userId="fa14b39d-e966-4ebb-a436-4f96f84b9577" providerId="ADAL" clId="{105229BA-9AA1-47D4-847D-E03C0431CECE}" dt="2024-10-04T17:12:03.614" v="63" actId="5793"/>
-          <ac:spMkLst>
+      </pc:sldChg>
+    </pc:docChg>
+  </pc:docChgLst>
+  <pc:docChgLst>
+    <pc:chgData name="Marcos Maillot" userId="fa14b39d-e966-4ebb-a436-4f96f84b9577" providerId="ADAL" clId="{43A9A6CF-50A8-4C49-B3FC-C757393354D3}"/>
+    <pc:docChg chg="modSld">
+      <pc:chgData name="Marcos Maillot" userId="fa14b39d-e966-4ebb-a436-4f96f84b9577" providerId="ADAL" clId="{43A9A6CF-50A8-4C49-B3FC-C757393354D3}" dt="2025-06-11T00:43:36.632" v="23"/>
+      <pc:docMkLst>
+        <pc:docMk/>
+      </pc:docMkLst>
+      <pc:sldChg chg="addSp delSp modSp mod">
+        <pc:chgData name="Marcos Maillot" userId="fa14b39d-e966-4ebb-a436-4f96f84b9577" providerId="ADAL" clId="{43A9A6CF-50A8-4C49-B3FC-C757393354D3}" dt="2025-06-11T00:43:36.632" v="23"/>
+        <pc:sldMkLst>
+          <pc:docMk/>
+          <pc:sldMk cId="0" sldId="273"/>
+        </pc:sldMkLst>
+        <pc:grpChg chg="mod">
+          <ac:chgData name="Marcos Maillot" userId="fa14b39d-e966-4ebb-a436-4f96f84b9577" providerId="ADAL" clId="{43A9A6CF-50A8-4C49-B3FC-C757393354D3}" dt="2025-06-11T00:43:32.372" v="13"/>
+          <ac:grpSpMkLst>
             <pc:docMk/>
-            <pc:sldMk cId="0" sldId="262"/>
-            <ac:spMk id="137" creationId="{00000000-0000-0000-0000-000000000000}"/>
-          </ac:spMkLst>
-        </pc:spChg>
+            <pc:sldMk cId="0" sldId="273"/>
+            <ac:grpSpMk id="11" creationId="{9F848F3A-48F5-CCA6-BC6E-EB35599213CF}"/>
+          </ac:grpSpMkLst>
+        </pc:grpChg>
+        <pc:grpChg chg="del mod">
+          <ac:chgData name="Marcos Maillot" userId="fa14b39d-e966-4ebb-a436-4f96f84b9577" providerId="ADAL" clId="{43A9A6CF-50A8-4C49-B3FC-C757393354D3}" dt="2025-06-11T00:43:36.632" v="23"/>
+          <ac:grpSpMkLst>
+            <pc:docMk/>
+            <pc:sldMk cId="0" sldId="273"/>
+            <ac:grpSpMk id="19" creationId="{747E5D74-5E95-110C-060A-D550342ECEE4}"/>
+          </ac:grpSpMkLst>
+        </pc:grpChg>
+        <pc:grpChg chg="mod">
+          <ac:chgData name="Marcos Maillot" userId="fa14b39d-e966-4ebb-a436-4f96f84b9577" providerId="ADAL" clId="{43A9A6CF-50A8-4C49-B3FC-C757393354D3}" dt="2025-06-11T00:43:36.632" v="23"/>
+          <ac:grpSpMkLst>
+            <pc:docMk/>
+            <pc:sldMk cId="0" sldId="273"/>
+            <ac:grpSpMk id="21" creationId="{093613DD-4AFD-D80A-9313-667DE20AC2C8}"/>
+          </ac:grpSpMkLst>
+        </pc:grpChg>
+        <pc:inkChg chg="add">
+          <ac:chgData name="Marcos Maillot" userId="fa14b39d-e966-4ebb-a436-4f96f84b9577" providerId="ADAL" clId="{43A9A6CF-50A8-4C49-B3FC-C757393354D3}" dt="2025-06-11T00:43:25.177" v="4" actId="9405"/>
+          <ac:inkMkLst>
+            <pc:docMk/>
+            <pc:sldMk cId="0" sldId="273"/>
+            <ac:inkMk id="2" creationId="{4D9FA1D6-1835-33D9-16E7-3827158B3994}"/>
+          </ac:inkMkLst>
+        </pc:inkChg>
+        <pc:inkChg chg="add mod">
+          <ac:chgData name="Marcos Maillot" userId="fa14b39d-e966-4ebb-a436-4f96f84b9577" providerId="ADAL" clId="{43A9A6CF-50A8-4C49-B3FC-C757393354D3}" dt="2025-06-11T00:43:32.372" v="13"/>
+          <ac:inkMkLst>
+            <pc:docMk/>
+            <pc:sldMk cId="0" sldId="273"/>
+            <ac:inkMk id="3" creationId="{BC72456B-2051-D521-A06E-4E41FE19FB31}"/>
+          </ac:inkMkLst>
+        </pc:inkChg>
+        <pc:inkChg chg="add mod">
+          <ac:chgData name="Marcos Maillot" userId="fa14b39d-e966-4ebb-a436-4f96f84b9577" providerId="ADAL" clId="{43A9A6CF-50A8-4C49-B3FC-C757393354D3}" dt="2025-06-11T00:43:32.372" v="13"/>
+          <ac:inkMkLst>
+            <pc:docMk/>
+            <pc:sldMk cId="0" sldId="273"/>
+            <ac:inkMk id="4" creationId="{BE06EFA0-1AAD-0834-6FDC-335D21B6B5BC}"/>
+          </ac:inkMkLst>
+        </pc:inkChg>
+        <pc:inkChg chg="add mod">
+          <ac:chgData name="Marcos Maillot" userId="fa14b39d-e966-4ebb-a436-4f96f84b9577" providerId="ADAL" clId="{43A9A6CF-50A8-4C49-B3FC-C757393354D3}" dt="2025-06-11T00:43:32.372" v="13"/>
+          <ac:inkMkLst>
+            <pc:docMk/>
+            <pc:sldMk cId="0" sldId="273"/>
+            <ac:inkMk id="5" creationId="{E2EC51D4-2500-EF12-E9EA-C4A5CF151353}"/>
+          </ac:inkMkLst>
+        </pc:inkChg>
+        <pc:inkChg chg="add mod">
+          <ac:chgData name="Marcos Maillot" userId="fa14b39d-e966-4ebb-a436-4f96f84b9577" providerId="ADAL" clId="{43A9A6CF-50A8-4C49-B3FC-C757393354D3}" dt="2025-06-11T00:43:32.372" v="13"/>
+          <ac:inkMkLst>
+            <pc:docMk/>
+            <pc:sldMk cId="0" sldId="273"/>
+            <ac:inkMk id="6" creationId="{981DD12F-FAD1-422C-7B8D-5A364A78EB13}"/>
+          </ac:inkMkLst>
+        </pc:inkChg>
+        <pc:inkChg chg="add mod">
+          <ac:chgData name="Marcos Maillot" userId="fa14b39d-e966-4ebb-a436-4f96f84b9577" providerId="ADAL" clId="{43A9A6CF-50A8-4C49-B3FC-C757393354D3}" dt="2025-06-11T00:43:32.372" v="13"/>
+          <ac:inkMkLst>
+            <pc:docMk/>
+            <pc:sldMk cId="0" sldId="273"/>
+            <ac:inkMk id="7" creationId="{E4F5640B-B450-5BF7-C2EA-C33207B7E2E1}"/>
+          </ac:inkMkLst>
+        </pc:inkChg>
+        <pc:inkChg chg="add mod">
+          <ac:chgData name="Marcos Maillot" userId="fa14b39d-e966-4ebb-a436-4f96f84b9577" providerId="ADAL" clId="{43A9A6CF-50A8-4C49-B3FC-C757393354D3}" dt="2025-06-11T00:43:32.372" v="13"/>
+          <ac:inkMkLst>
+            <pc:docMk/>
+            <pc:sldMk cId="0" sldId="273"/>
+            <ac:inkMk id="8" creationId="{DE1ED292-C0AE-89DC-8FB2-35F138F57625}"/>
+          </ac:inkMkLst>
+        </pc:inkChg>
+        <pc:inkChg chg="add mod">
+          <ac:chgData name="Marcos Maillot" userId="fa14b39d-e966-4ebb-a436-4f96f84b9577" providerId="ADAL" clId="{43A9A6CF-50A8-4C49-B3FC-C757393354D3}" dt="2025-06-11T00:43:32.372" v="13"/>
+          <ac:inkMkLst>
+            <pc:docMk/>
+            <pc:sldMk cId="0" sldId="273"/>
+            <ac:inkMk id="9" creationId="{889C69DD-0C29-3F0D-9577-298E06A2C258}"/>
+          </ac:inkMkLst>
+        </pc:inkChg>
+        <pc:inkChg chg="add mod">
+          <ac:chgData name="Marcos Maillot" userId="fa14b39d-e966-4ebb-a436-4f96f84b9577" providerId="ADAL" clId="{43A9A6CF-50A8-4C49-B3FC-C757393354D3}" dt="2025-06-11T00:43:32.372" v="13"/>
+          <ac:inkMkLst>
+            <pc:docMk/>
+            <pc:sldMk cId="0" sldId="273"/>
+            <ac:inkMk id="10" creationId="{343AF7B7-3880-887E-E397-36893BC14E22}"/>
+          </ac:inkMkLst>
+        </pc:inkChg>
+        <pc:inkChg chg="add mod">
+          <ac:chgData name="Marcos Maillot" userId="fa14b39d-e966-4ebb-a436-4f96f84b9577" providerId="ADAL" clId="{43A9A6CF-50A8-4C49-B3FC-C757393354D3}" dt="2025-06-11T00:43:36.632" v="23"/>
+          <ac:inkMkLst>
+            <pc:docMk/>
+            <pc:sldMk cId="0" sldId="273"/>
+            <ac:inkMk id="12" creationId="{69D8163F-1867-AF97-979C-E8F99AB9356E}"/>
+          </ac:inkMkLst>
+        </pc:inkChg>
+        <pc:inkChg chg="add mod">
+          <ac:chgData name="Marcos Maillot" userId="fa14b39d-e966-4ebb-a436-4f96f84b9577" providerId="ADAL" clId="{43A9A6CF-50A8-4C49-B3FC-C757393354D3}" dt="2025-06-11T00:43:36.632" v="23"/>
+          <ac:inkMkLst>
+            <pc:docMk/>
+            <pc:sldMk cId="0" sldId="273"/>
+            <ac:inkMk id="13" creationId="{106369E5-C291-D0A6-7B93-F3FCBF68CF62}"/>
+          </ac:inkMkLst>
+        </pc:inkChg>
+        <pc:inkChg chg="add mod">
+          <ac:chgData name="Marcos Maillot" userId="fa14b39d-e966-4ebb-a436-4f96f84b9577" providerId="ADAL" clId="{43A9A6CF-50A8-4C49-B3FC-C757393354D3}" dt="2025-06-11T00:43:36.632" v="23"/>
+          <ac:inkMkLst>
+            <pc:docMk/>
+            <pc:sldMk cId="0" sldId="273"/>
+            <ac:inkMk id="14" creationId="{7BD8A32C-24AD-753E-ED11-FD76BA20D5AF}"/>
+          </ac:inkMkLst>
+        </pc:inkChg>
+        <pc:inkChg chg="add mod">
+          <ac:chgData name="Marcos Maillot" userId="fa14b39d-e966-4ebb-a436-4f96f84b9577" providerId="ADAL" clId="{43A9A6CF-50A8-4C49-B3FC-C757393354D3}" dt="2025-06-11T00:43:36.632" v="23"/>
+          <ac:inkMkLst>
+            <pc:docMk/>
+            <pc:sldMk cId="0" sldId="273"/>
+            <ac:inkMk id="15" creationId="{74CC715D-8AB5-858E-5BCE-7203DE58DE4D}"/>
+          </ac:inkMkLst>
+        </pc:inkChg>
+        <pc:inkChg chg="add mod">
+          <ac:chgData name="Marcos Maillot" userId="fa14b39d-e966-4ebb-a436-4f96f84b9577" providerId="ADAL" clId="{43A9A6CF-50A8-4C49-B3FC-C757393354D3}" dt="2025-06-11T00:43:36.632" v="23"/>
+          <ac:inkMkLst>
+            <pc:docMk/>
+            <pc:sldMk cId="0" sldId="273"/>
+            <ac:inkMk id="16" creationId="{659AE97B-AA6F-1C85-ED78-5C18361C8888}"/>
+          </ac:inkMkLst>
+        </pc:inkChg>
+        <pc:inkChg chg="add mod">
+          <ac:chgData name="Marcos Maillot" userId="fa14b39d-e966-4ebb-a436-4f96f84b9577" providerId="ADAL" clId="{43A9A6CF-50A8-4C49-B3FC-C757393354D3}" dt="2025-06-11T00:43:36.632" v="23"/>
+          <ac:inkMkLst>
+            <pc:docMk/>
+            <pc:sldMk cId="0" sldId="273"/>
+            <ac:inkMk id="17" creationId="{F4B00B80-5E0C-29EA-DB0E-F152B04FC0E5}"/>
+          </ac:inkMkLst>
+        </pc:inkChg>
+        <pc:inkChg chg="add mod">
+          <ac:chgData name="Marcos Maillot" userId="fa14b39d-e966-4ebb-a436-4f96f84b9577" providerId="ADAL" clId="{43A9A6CF-50A8-4C49-B3FC-C757393354D3}" dt="2025-06-11T00:43:36.632" v="23"/>
+          <ac:inkMkLst>
+            <pc:docMk/>
+            <pc:sldMk cId="0" sldId="273"/>
+            <ac:inkMk id="18" creationId="{A6B49830-5580-A509-52D3-C028A0725562}"/>
+          </ac:inkMkLst>
+        </pc:inkChg>
+        <pc:inkChg chg="add mod">
+          <ac:chgData name="Marcos Maillot" userId="fa14b39d-e966-4ebb-a436-4f96f84b9577" providerId="ADAL" clId="{43A9A6CF-50A8-4C49-B3FC-C757393354D3}" dt="2025-06-11T00:43:36.632" v="23"/>
+          <ac:inkMkLst>
+            <pc:docMk/>
+            <pc:sldMk cId="0" sldId="273"/>
+            <ac:inkMk id="20" creationId="{A9E4511E-9A1B-CE02-D5AE-24AE6626BED3}"/>
+          </ac:inkMkLst>
+        </pc:inkChg>
+      </pc:sldChg>
+      <pc:sldChg chg="addSp mod">
+        <pc:chgData name="Marcos Maillot" userId="fa14b39d-e966-4ebb-a436-4f96f84b9577" providerId="ADAL" clId="{43A9A6CF-50A8-4C49-B3FC-C757393354D3}" dt="2025-06-11T00:42:34.978" v="3" actId="9405"/>
+        <pc:sldMkLst>
+          <pc:docMk/>
+          <pc:sldMk cId="0" sldId="279"/>
+        </pc:sldMkLst>
+        <pc:inkChg chg="add">
+          <ac:chgData name="Marcos Maillot" userId="fa14b39d-e966-4ebb-a436-4f96f84b9577" providerId="ADAL" clId="{43A9A6CF-50A8-4C49-B3FC-C757393354D3}" dt="2025-06-11T00:42:29.497" v="0" actId="9405"/>
+          <ac:inkMkLst>
+            <pc:docMk/>
+            <pc:sldMk cId="0" sldId="279"/>
+            <ac:inkMk id="2" creationId="{61BEB62F-8CEC-9ABA-505E-4C8F9A4664D6}"/>
+          </ac:inkMkLst>
+        </pc:inkChg>
+        <pc:inkChg chg="add">
+          <ac:chgData name="Marcos Maillot" userId="fa14b39d-e966-4ebb-a436-4f96f84b9577" providerId="ADAL" clId="{43A9A6CF-50A8-4C49-B3FC-C757393354D3}" dt="2025-06-11T00:42:30.720" v="1" actId="9405"/>
+          <ac:inkMkLst>
+            <pc:docMk/>
+            <pc:sldMk cId="0" sldId="279"/>
+            <ac:inkMk id="3" creationId="{DB186C97-1C67-BBB1-E855-37DAB8A23615}"/>
+          </ac:inkMkLst>
+        </pc:inkChg>
+        <pc:inkChg chg="add">
+          <ac:chgData name="Marcos Maillot" userId="fa14b39d-e966-4ebb-a436-4f96f84b9577" providerId="ADAL" clId="{43A9A6CF-50A8-4C49-B3FC-C757393354D3}" dt="2025-06-11T00:42:33.886" v="2" actId="9405"/>
+          <ac:inkMkLst>
+            <pc:docMk/>
+            <pc:sldMk cId="0" sldId="279"/>
+            <ac:inkMk id="4" creationId="{6D57C7DB-EFB1-88F9-0EF2-A9980A5BF594}"/>
+          </ac:inkMkLst>
+        </pc:inkChg>
+        <pc:inkChg chg="add">
+          <ac:chgData name="Marcos Maillot" userId="fa14b39d-e966-4ebb-a436-4f96f84b9577" providerId="ADAL" clId="{43A9A6CF-50A8-4C49-B3FC-C757393354D3}" dt="2025-06-11T00:42:34.978" v="3" actId="9405"/>
+          <ac:inkMkLst>
+            <pc:docMk/>
+            <pc:sldMk cId="0" sldId="279"/>
+            <ac:inkMk id="5" creationId="{33F455F8-6173-F745-4E1C-4015D681A74E}"/>
+          </ac:inkMkLst>
+        </pc:inkChg>
       </pc:sldChg>
     </pc:docChg>
   </pc:docChgLst>
 </pc:chgInfo>
+</file>
+
+<file path=ppt/ink/ink1.xml><?xml version="1.0" encoding="utf-8"?>
+<inkml:ink xmlns:inkml="http://www.w3.org/2003/InkML">
+  <inkml:definitions>
+    <inkml:context xml:id="ctx0">
+      <inkml:inkSource xml:id="inkSrc0">
+        <inkml:traceFormat>
+          <inkml:channel name="X" type="integer" min="-2.14748E9" max="2.14748E9" units="cm"/>
+          <inkml:channel name="Y" type="integer" min="-2.14748E9" max="2.14748E9" units="cm"/>
+          <inkml:channel name="F" type="integer" max="32767" units="dev"/>
+          <inkml:channel name="OA" type="integer" max="360" units="deg"/>
+          <inkml:channel name="OE" type="integer" max="90" units="deg"/>
+        </inkml:traceFormat>
+        <inkml:channelProperties>
+          <inkml:channelProperty channel="X" name="resolution" value="1000" units="1/cm"/>
+          <inkml:channelProperty channel="Y" name="resolution" value="1000" units="1/cm"/>
+          <inkml:channelProperty channel="F" name="resolution" value="0" units="1/dev"/>
+          <inkml:channelProperty channel="OA" name="resolution" value="1000" units="1/deg"/>
+          <inkml:channelProperty channel="OE" name="resolution" value="1000" units="1/deg"/>
+        </inkml:channelProperties>
+      </inkml:inkSource>
+      <inkml:timestamp xml:id="ts0" timeString="2025-06-11T00:43:25.175"/>
+    </inkml:context>
+    <inkml:brush xml:id="br0">
+      <inkml:brushProperty name="width" value="0.035" units="cm"/>
+      <inkml:brushProperty name="height" value="0.035" units="cm"/>
+    </inkml:brush>
+  </inkml:definitions>
+  <inkml:trace contextRef="#ctx0" brushRef="#br0">23 452 96 0 0,'-12'-4'-198'0'0,"2"4"4098"0"0,28-3 1075 0 0,16-3-4056 0 0,-1 2 0 0 0,1 1 1 0 0,0 2-1 0 0,52 4 0 0 0,303 24 2342 0 0,-129-4-2345 0 0,-137-17-753 0 0,0-5 0 0 0,158-18 0 0 0,20 16 703 0 0,-24 3 164 0 0,-95-7 992 0 0,41-4-905 0 0,387-15 1993 0 0,-214 15-2657 0 0,35 10 774 0 0,-175 4-782 0 0,598-22-199 0 0,-360 6 1024 0 0,-500 9-1168 0 0,1 0 0 0 0,0-1-1 0 0,1 0 1 0 0,-1 1 0 0 0,0-2-1 0 0,-6-4 1 0 0,-2-2 2 0 0,-51-33-87 0 0,3-3 0 0 0,2-3 0 0 0,2-2 1 0 0,-68-79-1 0 0,74 78-249 0 0,51 52 217 0 0,2 4-96 0 0,1 1 107 0 0,-1 0 0 0 0,1 0 0 0 0,-1 0 1 0 0,-1 0-1 0 0,3 9 0 0 0,-3-11 6 0 0,2 11-1 0 0,0 0 0 0 0,-1 1 0 0 0,-1-1 0 0 0,0 0-1 0 0,-1 1 1 0 0,0-1 0 0 0,-1 1 0 0 0,-4 17 0 0 0,-31 116-188 0 0,25-110 92 0 0,-8 19-170 0 0,-41 85 0 0 0,40-97 310 0 0,20-45-43 0 0,0 0-1 0 0,0 0 1 0 0,0-1 0 0 0,0 1 0 0 0,0 0-1 0 0,1 0 1 0 0,-1 0 0 0 0,0 0 0 0 0,0 0 0 0 0,0 0-1 0 0,0 0 1 0 0,0 0 0 0 0,0 0 0 0 0,0 0 0 0 0,0 0-1 0 0,0 0 1 0 0,1 0 0 0 0,-1-1 0 0 0,0 1 0 0 0,0 0-1 0 0,0 0 1 0 0,0 0 0 0 0,0 0 0 0 0,0 0 0 0 0,0 0-1 0 0,1 0 1 0 0,-1 0 0 0 0,0 0 0 0 0,0 0 0 0 0,0 0-1 0 0,0 0 1 0 0,0 0 0 0 0,0 1 0 0 0,0-1 0 0 0,1 0-1 0 0,-1 0 1 0 0,0 0 0 0 0,0 0 0 0 0,0 0 0 0 0,0 0-1 0 0,0 0 1 0 0,0 0 0 0 0,0 0 0 0 0,0 0-1 0 0,0 0 1 0 0,0 0 0 0 0,1 0 0 0 0,-1 1 0 0 0,0-1-1 0 0,0 0 1 0 0,0 0 0 0 0,0 0 0 0 0,0 0 0 0 0,0 0-1 0 0,0 0 1 0 0,0 0 0 0 0,0 1 0 0 0,0-1 0 0 0,0 0-1 0 0,0 0 1 0 0,0 0 0 0 0,0 0 0 0 0,0 0 0 0 0,0 0-1 0 0,0 1 1 0 0,17-11 126 0 0,17-13 123 0 0,-12 6-102 0 0,289-210 2383 0 0,-311 227-2584 0 0,0 0 0 0 0,0 0 1 0 0,1 0-1 0 0,-1 0 0 0 0,0 0 0 0 0,0 0 1 0 0,0 0-1 0 0,1 0 0 0 0,-1 0 0 0 0,0 0 1 0 0,0 0-1 0 0,0 0 0 0 0,1 0 0 0 0,-1 0 1 0 0,0 0-1 0 0,0 0 0 0 0,0 0 0 0 0,1 0 0 0 0,-1 0 1 0 0,0 1-1 0 0,0-1 0 0 0,0 0 0 0 0,0 0 1 0 0,0 0-1 0 0,1 0 0 0 0,-1 0 0 0 0,0 1 1 0 0,0-1-1 0 0,0 0 0 0 0,0 0 0 0 0,0 0 1 0 0,0 1-1 0 0,0-1 0 0 0,0 0 0 0 0,0 0 1 0 0,1 0-1 0 0,-1 0 0 0 0,0 1 0 0 0,0-1 0 0 0,0 0 1 0 0,0 0-1 0 0,0 0 0 0 0,0 1 0 0 0,0-1 1 0 0,0 0-1 0 0,-1 0 0 0 0,1 0 0 0 0,0 1 1 0 0,0-1-1 0 0,0 0 0 0 0,0 0 0 0 0,0 0 1 0 0,0 1-1 0 0,0-1 0 0 0,0 0 0 0 0,-1 0 0 0 0,-2 27-9292 0 0,-4 10-2663 0 0,3-19 7867 0 0,-9 24 356 0 0,11-35 3447 0 0</inkml:trace>
+</inkml:ink>
+</file>
+
+<file path=ppt/ink/ink10.xml><?xml version="1.0" encoding="utf-8"?>
+<inkml:ink xmlns:inkml="http://www.w3.org/2003/InkML">
+  <inkml:definitions>
+    <inkml:context xml:id="ctx0">
+      <inkml:inkSource xml:id="inkSrc0">
+        <inkml:traceFormat>
+          <inkml:channel name="X" type="integer" min="-2.14748E9" max="2.14748E9" units="cm"/>
+          <inkml:channel name="Y" type="integer" min="-2.14748E9" max="2.14748E9" units="cm"/>
+          <inkml:channel name="F" type="integer" max="32767" units="dev"/>
+          <inkml:channel name="OA" type="integer" max="360" units="deg"/>
+          <inkml:channel name="OE" type="integer" max="90" units="deg"/>
+        </inkml:traceFormat>
+        <inkml:channelProperties>
+          <inkml:channelProperty channel="X" name="resolution" value="1000" units="1/cm"/>
+          <inkml:channelProperty channel="Y" name="resolution" value="1000" units="1/cm"/>
+          <inkml:channelProperty channel="F" name="resolution" value="0" units="1/dev"/>
+          <inkml:channelProperty channel="OA" name="resolution" value="1000" units="1/deg"/>
+          <inkml:channelProperty channel="OE" name="resolution" value="1000" units="1/deg"/>
+        </inkml:channelProperties>
+      </inkml:inkSource>
+      <inkml:timestamp xml:id="ts0" timeString="2025-06-11T00:43:33.006"/>
+    </inkml:context>
+    <inkml:brush xml:id="br0">
+      <inkml:brushProperty name="width" value="0.035" units="cm"/>
+      <inkml:brushProperty name="height" value="0.035" units="cm"/>
+    </inkml:brush>
+  </inkml:definitions>
+  <inkml:trace contextRef="#ctx0" brushRef="#br0">1 36 68 0 0,'15'-30'1623'0'0,"-4"25"2567"0"0,-8 46-2396 0 0,-14 100-717 0 0,6-109-1643 0 0,2-1 1 0 0,1 1-1 0 0,1-1 0 0 0,2 1 0 0 0,8 52 0 0 0,-7-76 160 0 0,0 0-1 0 0,1-1 1 0 0,0 1-1 0 0,0-1 1 0 0,1 1 0 0 0,8 11-1 0 0,-10-15 263 0 0,0-1-1 0 0,1 0 1 0 0,0 0-1 0 0,-1 0 1 0 0,1 0 0 0 0,0 0-1 0 0,1-1 1 0 0,-1 1-1 0 0,0-1 1 0 0,1 0-1 0 0,-1 0 1 0 0,1 0 0 0 0,0 0-1 0 0,-1-1 1 0 0,8 2-1 0 0,-1-2-40 0 0</inkml:trace>
+</inkml:ink>
+</file>
+
+<file path=ppt/ink/ink11.xml><?xml version="1.0" encoding="utf-8"?>
+<inkml:ink xmlns:inkml="http://www.w3.org/2003/InkML">
+  <inkml:definitions>
+    <inkml:context xml:id="ctx0">
+      <inkml:inkSource xml:id="inkSrc0">
+        <inkml:traceFormat>
+          <inkml:channel name="X" type="integer" min="-2.14748E9" max="2.14748E9" units="cm"/>
+          <inkml:channel name="Y" type="integer" min="-2.14748E9" max="2.14748E9" units="cm"/>
+          <inkml:channel name="F" type="integer" max="32767" units="dev"/>
+          <inkml:channel name="OA" type="integer" max="360" units="deg"/>
+          <inkml:channel name="OE" type="integer" max="90" units="deg"/>
+        </inkml:traceFormat>
+        <inkml:channelProperties>
+          <inkml:channelProperty channel="X" name="resolution" value="1000" units="1/cm"/>
+          <inkml:channelProperty channel="Y" name="resolution" value="1000" units="1/cm"/>
+          <inkml:channelProperty channel="F" name="resolution" value="0" units="1/dev"/>
+          <inkml:channelProperty channel="OA" name="resolution" value="1000" units="1/deg"/>
+          <inkml:channelProperty channel="OE" name="resolution" value="1000" units="1/deg"/>
+        </inkml:channelProperties>
+      </inkml:inkSource>
+      <inkml:timestamp xml:id="ts0" timeString="2025-06-11T00:43:33.287"/>
+    </inkml:context>
+    <inkml:brush xml:id="br0">
+      <inkml:brushProperty name="width" value="0.035" units="cm"/>
+      <inkml:brushProperty name="height" value="0.035" units="cm"/>
+    </inkml:brush>
+  </inkml:definitions>
+  <inkml:trace contextRef="#ctx0" brushRef="#br0">0 17 132 0 0,'1'-2'83'0'0,"0"1"0"0"0,0 0 0 0 0,0-1 0 0 0,1 1 0 0 0,-1 0 0 0 0,0 0 0 0 0,0 0 1 0 0,1 0-1 0 0,-1 0 0 0 0,1 0 0 0 0,-1 0 0 0 0,1 1 0 0 0,-1-1 0 0 0,4 0 0 0 0,-4 1 17 0 0,0 0 0 0 0,-1 0-1 0 0,1 0 1 0 0,0 0 0 0 0,0 0-1 0 0,-1 0 1 0 0,1 0 0 0 0,0 1 0 0 0,0-1-1 0 0,-1 0 1 0 0,1 0 0 0 0,0 1 0 0 0,0-1-1 0 0,-1 1 1 0 0,1-1 0 0 0,0 1 0 0 0,-1-1-1 0 0,1 1 1 0 0,-1-1 0 0 0,1 1 0 0 0,-1-1-1 0 0,1 2 1 0 0,2 3 237 0 0,0 0-1 0 0,0 0 1 0 0,-1 1-1 0 0,0-1 1 0 0,0 1-1 0 0,2 10 1 0 0,1 10 75 0 0,-1-1 1 0 0,-2 1-1 0 0,-2 47 1 0 0,0-39-1081 0 0,5 47 1 0 0,-5-80 581 0 0,0 0 0 0 0,0 0 0 0 0,0 0-1 0 0,0 0 1 0 0,0 0 0 0 0,1 0 0 0 0,-1-1 0 0 0,0 1-1 0 0,0 0 1 0 0,1 0 0 0 0,-1 0 0 0 0,1 0-1 0 0,-1 0 1 0 0,1-1 0 0 0,-1 1 0 0 0,1 0 0 0 0,-1 0-1 0 0,1-1 1 0 0,0 1 0 0 0,-1-1 0 0 0,1 1-1 0 0,0 0 1 0 0,0-1 0 0 0,-1 1 0 0 0,1-1 0 0 0,0 1-1 0 0,0-1 1 0 0,0 0 0 0 0,0 1 0 0 0,0-1 0 0 0,-1 0-1 0 0,1 0 1 0 0,0 0 0 0 0,0 0 0 0 0,0 1-1 0 0,0-1 1 0 0,0 0 0 0 0,0 0 0 0 0,0-1 0 0 0,0 1-1 0 0,0 0 1 0 0,0 0 0 0 0,0 0 0 0 0,1-1-1 0 0,3-1-228 0 0,1-1-1 0 0,-1 1 0 0 0,0-1 1 0 0,0 1-1 0 0,0-2 0 0 0,4-3 0 0 0,-1 2 111 0 0</inkml:trace>
+</inkml:ink>
+</file>
+
+<file path=ppt/ink/ink12.xml><?xml version="1.0" encoding="utf-8"?>
+<inkml:ink xmlns:inkml="http://www.w3.org/2003/InkML">
+  <inkml:definitions>
+    <inkml:context xml:id="ctx0">
+      <inkml:inkSource xml:id="inkSrc0">
+        <inkml:traceFormat>
+          <inkml:channel name="X" type="integer" min="-2.14748E9" max="2.14748E9" units="cm"/>
+          <inkml:channel name="Y" type="integer" min="-2.14748E9" max="2.14748E9" units="cm"/>
+          <inkml:channel name="F" type="integer" max="32767" units="dev"/>
+          <inkml:channel name="OA" type="integer" max="360" units="deg"/>
+          <inkml:channel name="OE" type="integer" max="90" units="deg"/>
+        </inkml:traceFormat>
+        <inkml:channelProperties>
+          <inkml:channelProperty channel="X" name="resolution" value="1000" units="1/cm"/>
+          <inkml:channelProperty channel="Y" name="resolution" value="1000" units="1/cm"/>
+          <inkml:channelProperty channel="F" name="resolution" value="0" units="1/dev"/>
+          <inkml:channelProperty channel="OA" name="resolution" value="1000" units="1/deg"/>
+          <inkml:channelProperty channel="OE" name="resolution" value="1000" units="1/deg"/>
+        </inkml:channelProperties>
+      </inkml:inkSource>
+      <inkml:timestamp xml:id="ts0" timeString="2025-06-11T00:43:33.587"/>
+    </inkml:context>
+    <inkml:brush xml:id="br0">
+      <inkml:brushProperty name="width" value="0.035" units="cm"/>
+      <inkml:brushProperty name="height" value="0.035" units="cm"/>
+    </inkml:brush>
+  </inkml:definitions>
+  <inkml:trace contextRef="#ctx0" brushRef="#br0">0 1 180 0 0,'2'0'126'0'0,"0"0"0"0"0,0 0 0 0 0,-1-1 0 0 0,1 1 0 0 0,0 0 1 0 0,0 0-1 0 0,-1 1 0 0 0,1-1 0 0 0,0 0 0 0 0,0 1 0 0 0,-1-1 0 0 0,1 1 0 0 0,0-1 0 0 0,0 1 0 0 0,-1 0 1 0 0,1 0-1 0 0,-1-1 0 0 0,1 1 0 0 0,-1 0 0 0 0,1 1 0 0 0,-1-1 0 0 0,0 0 0 0 0,1 0 0 0 0,-1 1 0 0 0,0-1 0 0 0,0 0 1 0 0,0 1-1 0 0,0-1 0 0 0,0 1 0 0 0,0-1 0 0 0,0 1 0 0 0,0 2 0 0 0,5 8 520 0 0,-1 1 1 0 0,-1 0-1 0 0,5 19 0 0 0,-2-6-206 0 0,0-3-150 0 0,-1 0-1 0 0,-1 0 1 0 0,-2 0 0 0 0,2 36 0 0 0,-3-29-1112 0 0,12 56 0 0 0,-14-85 695 0 0,0 1 1 0 0,0-1-1 0 0,0 1 1 0 0,1-1-1 0 0,-1 1 1 0 0,1-1 0 0 0,-1 1-1 0 0,1-1 1 0 0,0 0-1 0 0,-1 1 1 0 0,1-1-1 0 0,0 0 1 0 0,0 0-1 0 0,0 1 1 0 0,0-1 0 0 0,0 0-1 0 0,0 0 1 0 0,0 0-1 0 0,0 0 1 0 0,1 0-1 0 0,-1 0 1 0 0,0-1-1 0 0,1 1 1 0 0,-1 0 0 0 0,0-1-1 0 0,1 1 1 0 0,-1-1-1 0 0,1 1 1 0 0,-1-1-1 0 0,1 1 1 0 0,-1-1-1 0 0,1 0 1 0 0,-1 0 0 0 0,1 0-1 0 0,-1 0 1 0 0,1 0-1 0 0,-1 0 1 0 0,1-1-1 0 0,-1 1 1 0 0,1 0-1 0 0,-1-1 1 0 0,1 1 0 0 0,-1-1-1 0 0,1 1 1 0 0,-1-1-1 0 0,0 0 1 0 0,1 0-1 0 0,-1 1 1 0 0,0-1-1 0 0,0 0 1 0 0,0 0 0 0 0,1 0-1 0 0,0-2 1 0 0,6-2-105 0 0</inkml:trace>
+</inkml:ink>
+</file>
+
+<file path=ppt/ink/ink13.xml><?xml version="1.0" encoding="utf-8"?>
+<inkml:ink xmlns:inkml="http://www.w3.org/2003/InkML">
+  <inkml:definitions>
+    <inkml:context xml:id="ctx0">
+      <inkml:inkSource xml:id="inkSrc0">
+        <inkml:traceFormat>
+          <inkml:channel name="X" type="integer" min="-2.14748E9" max="2.14748E9" units="cm"/>
+          <inkml:channel name="Y" type="integer" min="-2.14748E9" max="2.14748E9" units="cm"/>
+          <inkml:channel name="F" type="integer" max="32767" units="dev"/>
+          <inkml:channel name="OA" type="integer" max="360" units="deg"/>
+          <inkml:channel name="OE" type="integer" max="90" units="deg"/>
+        </inkml:traceFormat>
+        <inkml:channelProperties>
+          <inkml:channelProperty channel="X" name="resolution" value="1000" units="1/cm"/>
+          <inkml:channelProperty channel="Y" name="resolution" value="1000" units="1/cm"/>
+          <inkml:channelProperty channel="F" name="resolution" value="0" units="1/dev"/>
+          <inkml:channelProperty channel="OA" name="resolution" value="1000" units="1/deg"/>
+          <inkml:channelProperty channel="OE" name="resolution" value="1000" units="1/deg"/>
+        </inkml:channelProperties>
+      </inkml:inkSource>
+      <inkml:timestamp xml:id="ts0" timeString="2025-06-11T00:43:33.867"/>
+    </inkml:context>
+    <inkml:brush xml:id="br0">
+      <inkml:brushProperty name="width" value="0.035" units="cm"/>
+      <inkml:brushProperty name="height" value="0.035" units="cm"/>
+    </inkml:brush>
+  </inkml:definitions>
+  <inkml:trace contextRef="#ctx0" brushRef="#br0">1 1 164 0 0,'1'0'107'0'0,"0"0"-1"0"0,0 1 1 0 0,0-1 0 0 0,1 0-1 0 0,-1 1 1 0 0,0-1 0 0 0,0 1-1 0 0,0 0 1 0 0,0-1 0 0 0,0 1 0 0 0,0 0-1 0 0,0 0 1 0 0,-1 0 0 0 0,1 0-1 0 0,0 0 1 0 0,0 0 0 0 0,-1 0-1 0 0,1 0 1 0 0,0 0 0 0 0,-1 0-1 0 0,1 0 1 0 0,-1 0 0 0 0,1 0-1 0 0,-1 0 1 0 0,0 0 0 0 0,1 1-1 0 0,-1-1 1 0 0,0 0 0 0 0,0 2-1 0 0,4 45 2999 0 0,-3-34-2643 0 0,5 76 1181 0 0,-5-47-1159 0 0,2-1-1 0 0,2 1 0 0 0,1-1 1 0 0,22 73-1 0 0,-27-113-677 0 0,0 1 0 0 0,0-1 0 0 0,0 1 0 0 0,0-1-1 0 0,0 1 1 0 0,1-1 0 0 0,-1 1 0 0 0,1-1 0 0 0,-1 0 0 0 0,1 0 0 0 0,0 0 0 0 0,0 0-1 0 0,0 0 1 0 0,0 0 0 0 0,0-1 0 0 0,0 1 0 0 0,1-1 0 0 0,-1 1 0 0 0,0-1 0 0 0,1 0 0 0 0,-1 0-1 0 0,1 0 1 0 0,-1 0 0 0 0,1-1 0 0 0,0 1 0 0 0,3 0 0 0 0,-1-1-137 0 0,-1-1 0 0 0,1 1 0 0 0,-1-1 0 0 0,1 0 1 0 0,-1 0-1 0 0,0-1 0 0 0,1 1 0 0 0,-1-1 0 0 0,0 0 0 0 0,0 0 0 0 0,0 0 0 0 0,-1-1 1 0 0,1 1-1 0 0,0-1 0 0 0,3-4 0 0 0,2-1 75 0 0</inkml:trace>
+</inkml:ink>
+</file>
+
+<file path=ppt/ink/ink14.xml><?xml version="1.0" encoding="utf-8"?>
+<inkml:ink xmlns:inkml="http://www.w3.org/2003/InkML">
+  <inkml:definitions>
+    <inkml:context xml:id="ctx0">
+      <inkml:inkSource xml:id="inkSrc0">
+        <inkml:traceFormat>
+          <inkml:channel name="X" type="integer" min="-2.14748E9" max="2.14748E9" units="cm"/>
+          <inkml:channel name="Y" type="integer" min="-2.14748E9" max="2.14748E9" units="cm"/>
+          <inkml:channel name="F" type="integer" max="32767" units="dev"/>
+          <inkml:channel name="OA" type="integer" max="360" units="deg"/>
+          <inkml:channel name="OE" type="integer" max="90" units="deg"/>
+        </inkml:traceFormat>
+        <inkml:channelProperties>
+          <inkml:channelProperty channel="X" name="resolution" value="1000" units="1/cm"/>
+          <inkml:channelProperty channel="Y" name="resolution" value="1000" units="1/cm"/>
+          <inkml:channelProperty channel="F" name="resolution" value="0" units="1/dev"/>
+          <inkml:channelProperty channel="OA" name="resolution" value="1000" units="1/deg"/>
+          <inkml:channelProperty channel="OE" name="resolution" value="1000" units="1/deg"/>
+        </inkml:channelProperties>
+      </inkml:inkSource>
+      <inkml:timestamp xml:id="ts0" timeString="2025-06-11T00:43:34.165"/>
+    </inkml:context>
+    <inkml:brush xml:id="br0">
+      <inkml:brushProperty name="width" value="0.035" units="cm"/>
+      <inkml:brushProperty name="height" value="0.035" units="cm"/>
+    </inkml:brush>
+  </inkml:definitions>
+  <inkml:trace contextRef="#ctx0" brushRef="#br0">1 0 20 0 0,'3'3'283'0'0,"1"0"1"0"0,-1 0-1 0 0,0 0 0 0 0,0 1 0 0 0,0-1 1 0 0,0 1-1 0 0,-1-1 0 0 0,0 1 1 0 0,1 0-1 0 0,-1 0 0 0 0,-1 0 0 0 0,1 0 1 0 0,-1 1-1 0 0,2 5 0 0 0,13 73 2683 0 0,-12-53-2702 0 0,3 15 315 0 0,12 59 515 0 0,-17-94-1160 0 0,1 0 1 0 0,0 0 0 0 0,1 0 0 0 0,0 0 0 0 0,1-1-1 0 0,0 0 1 0 0,9 12 0 0 0,-13-19-78 0 0,0-1 0 0 0,1 0 0 0 0,-1 1 0 0 0,0-1 0 0 0,1 0 0 0 0,0 0 0 0 0,-1 0 0 0 0,1 0-1 0 0,-1 0 1 0 0,1-1 0 0 0,0 1 0 0 0,0 0 0 0 0,-1-1 0 0 0,1 0 0 0 0,0 1 0 0 0,0-1 0 0 0,0 0 0 0 0,0 0 0 0 0,-1 0 0 0 0,1 0 0 0 0,0 0 0 0 0,0 0 0 0 0,0 0-1 0 0,0-1 1 0 0,-1 1 0 0 0,1-1 0 0 0,0 1 0 0 0,0-1 0 0 0,-1 0 0 0 0,1 0 0 0 0,0 1 0 0 0,-1-1 0 0 0,1 0 0 0 0,-1-1 0 0 0,1 1 0 0 0,-1 0 0 0 0,3-3-1 0 0,6-5-572 0 0,1-1 0 0 0,-2 0-1 0 0,15-19 1 0 0,-20 25 701 0 0,6-9-226 0 0</inkml:trace>
+</inkml:ink>
+</file>
+
+<file path=ppt/ink/ink15.xml><?xml version="1.0" encoding="utf-8"?>
+<inkml:ink xmlns:inkml="http://www.w3.org/2003/InkML">
+  <inkml:definitions>
+    <inkml:context xml:id="ctx0">
+      <inkml:inkSource xml:id="inkSrc0">
+        <inkml:traceFormat>
+          <inkml:channel name="X" type="integer" min="-2.14748E9" max="2.14748E9" units="cm"/>
+          <inkml:channel name="Y" type="integer" min="-2.14748E9" max="2.14748E9" units="cm"/>
+          <inkml:channel name="F" type="integer" max="32767" units="dev"/>
+          <inkml:channel name="OA" type="integer" max="360" units="deg"/>
+          <inkml:channel name="OE" type="integer" max="90" units="deg"/>
+        </inkml:traceFormat>
+        <inkml:channelProperties>
+          <inkml:channelProperty channel="X" name="resolution" value="1000" units="1/cm"/>
+          <inkml:channelProperty channel="Y" name="resolution" value="1000" units="1/cm"/>
+          <inkml:channelProperty channel="F" name="resolution" value="0" units="1/dev"/>
+          <inkml:channelProperty channel="OA" name="resolution" value="1000" units="1/deg"/>
+          <inkml:channelProperty channel="OE" name="resolution" value="1000" units="1/deg"/>
+        </inkml:channelProperties>
+      </inkml:inkSource>
+      <inkml:timestamp xml:id="ts0" timeString="2025-06-11T00:43:34.386"/>
+    </inkml:context>
+    <inkml:brush xml:id="br0">
+      <inkml:brushProperty name="width" value="0.035" units="cm"/>
+      <inkml:brushProperty name="height" value="0.035" units="cm"/>
+    </inkml:brush>
+  </inkml:definitions>
+  <inkml:trace contextRef="#ctx0" brushRef="#br0">4 0 88 0 0,'3'4'225'0'0,"-2"0"-1"0"0,1 0 1 0 0,0 0 0 0 0,-1 0-1 0 0,1 0 1 0 0,-1 0 0 0 0,0 0-1 0 0,-1 0 1 0 0,1 0-1 0 0,-1 0 1 0 0,0 9 0 0 0,-6 55 2649 0 0,2-32-1297 0 0,1 12-1037 0 0,-1 70 513 0 0,4-106-1139 0 0,1 0 0 0 0,1 0 0 0 0,0 0 0 0 0,1 0 0 0 0,0-1-1 0 0,1 1 1 0 0,7 17 0 0 0,-9-26-102 0 0,0-1 0 0 0,1 1 0 0 0,-1 0 0 0 0,0-1 0 0 0,1 1 0 0 0,-1-1 0 0 0,1 0 0 0 0,0 0 0 0 0,0 0 0 0 0,0 0 0 0 0,0 0 0 0 0,0-1 0 0 0,0 1 0 0 0,0-1 0 0 0,0 0 0 0 0,1 0 0 0 0,-1 0 0 0 0,1 0 0 0 0,-1-1 0 0 0,0 1 0 0 0,1-1 0 0 0,-1 0 0 0 0,1 0 0 0 0,-1 0 0 0 0,1 0 0 0 0,-1-1 0 0 0,1 1 0 0 0,-1-1 0 0 0,0 0 0 0 0,1 0 0 0 0,-1-1 0 0 0,0 1 0 0 0,0 0 0 0 0,0-1 0 0 0,0 0 0 0 0,0 0 0 0 0,0 0 0 0 0,0 0 0 0 0,-1 0 0 0 0,1-1 0 0 0,2-2 0 0 0,2-4-27 0 0</inkml:trace>
+</inkml:ink>
+</file>
+
+<file path=ppt/ink/ink16.xml><?xml version="1.0" encoding="utf-8"?>
+<inkml:ink xmlns:inkml="http://www.w3.org/2003/InkML">
+  <inkml:definitions>
+    <inkml:context xml:id="ctx0">
+      <inkml:inkSource xml:id="inkSrc0">
+        <inkml:traceFormat>
+          <inkml:channel name="X" type="integer" min="-2.14748E9" max="2.14748E9" units="cm"/>
+          <inkml:channel name="Y" type="integer" min="-2.14748E9" max="2.14748E9" units="cm"/>
+          <inkml:channel name="F" type="integer" max="32767" units="dev"/>
+          <inkml:channel name="OA" type="integer" max="360" units="deg"/>
+          <inkml:channel name="OE" type="integer" max="90" units="deg"/>
+        </inkml:traceFormat>
+        <inkml:channelProperties>
+          <inkml:channelProperty channel="X" name="resolution" value="1000" units="1/cm"/>
+          <inkml:channelProperty channel="Y" name="resolution" value="1000" units="1/cm"/>
+          <inkml:channelProperty channel="F" name="resolution" value="0" units="1/dev"/>
+          <inkml:channelProperty channel="OA" name="resolution" value="1000" units="1/deg"/>
+          <inkml:channelProperty channel="OE" name="resolution" value="1000" units="1/deg"/>
+        </inkml:channelProperties>
+      </inkml:inkSource>
+      <inkml:timestamp xml:id="ts0" timeString="2025-06-11T00:43:34.634"/>
+    </inkml:context>
+    <inkml:brush xml:id="br0">
+      <inkml:brushProperty name="width" value="0.035" units="cm"/>
+      <inkml:brushProperty name="height" value="0.035" units="cm"/>
+    </inkml:brush>
+  </inkml:definitions>
+  <inkml:trace contextRef="#ctx0" brushRef="#br0">1 1 136 0 0,'9'8'502'0'0,"1"0"-1"0"0,-1 0 1 0 0,0 1 0 0 0,-1 1 0 0 0,0-1-1 0 0,-1 1 1 0 0,0 1 0 0 0,9 17 0 0 0,40 97 2774 0 0,-47-104-3002 0 0,36 129 1188 0 0,-10-29-3140 0 0,-27-101-87 0 0,0-1-1 0 0,0 1 0 0 0,22 32 0 0 0,-26-48 1170 0 0,-2 0 365 0 0</inkml:trace>
+</inkml:ink>
+</file>
+
+<file path=ppt/ink/ink17.xml><?xml version="1.0" encoding="utf-8"?>
+<inkml:ink xmlns:inkml="http://www.w3.org/2003/InkML">
+  <inkml:definitions>
+    <inkml:context xml:id="ctx0">
+      <inkml:inkSource xml:id="inkSrc0">
+        <inkml:traceFormat>
+          <inkml:channel name="X" type="integer" min="-2.14748E9" max="2.14748E9" units="cm"/>
+          <inkml:channel name="Y" type="integer" min="-2.14748E9" max="2.14748E9" units="cm"/>
+          <inkml:channel name="F" type="integer" max="32767" units="dev"/>
+          <inkml:channel name="OA" type="integer" max="360" units="deg"/>
+          <inkml:channel name="OE" type="integer" max="90" units="deg"/>
+        </inkml:traceFormat>
+        <inkml:channelProperties>
+          <inkml:channelProperty channel="X" name="resolution" value="1000" units="1/cm"/>
+          <inkml:channelProperty channel="Y" name="resolution" value="1000" units="1/cm"/>
+          <inkml:channelProperty channel="F" name="resolution" value="0" units="1/dev"/>
+          <inkml:channelProperty channel="OA" name="resolution" value="1000" units="1/deg"/>
+          <inkml:channelProperty channel="OE" name="resolution" value="1000" units="1/deg"/>
+        </inkml:channelProperties>
+      </inkml:inkSource>
+      <inkml:timestamp xml:id="ts0" timeString="2025-06-11T00:43:35.615"/>
+    </inkml:context>
+    <inkml:brush xml:id="br0">
+      <inkml:brushProperty name="width" value="0.035" units="cm"/>
+      <inkml:brushProperty name="height" value="0.035" units="cm"/>
+    </inkml:brush>
+  </inkml:definitions>
+  <inkml:trace contextRef="#ctx0" brushRef="#br0">175 1 24 0 0,'0'0'102'0'0,"0"0"0"0"0,-1 0 0 0 0,1 0 1 0 0,0 0-1 0 0,0 0 0 0 0,-1 0 0 0 0,1 0 0 0 0,0-1 0 0 0,-1 1 0 0 0,1 0 1 0 0,0 0-1 0 0,0 0 0 0 0,-1 0 0 0 0,1 0 0 0 0,0 0 0 0 0,-1 0 1 0 0,1 0-1 0 0,0 0 0 0 0,0 1 0 0 0,-1-1 0 0 0,1 0 0 0 0,0 0 0 0 0,-1 0 1 0 0,1 0-1 0 0,0 0 0 0 0,0 0 0 0 0,-1 1 0 0 0,1-1 0 0 0,0 0 0 0 0,0 0 1 0 0,-1 0-1 0 0,1 1 0 0 0,0-1 0 0 0,0 0 0 0 0,0 0 0 0 0,-1 1 1 0 0,1-1-1 0 0,0 0 0 0 0,0 0 0 0 0,0 1 0 0 0,0-1 0 0 0,0 0 0 0 0,0 0 1 0 0,0 1-1 0 0,0-1 0 0 0,0 0 0 0 0,-1 1 0 0 0,-10 16 1804 0 0,-19 129 1503 0 0,23-101-5571 0 0,-2 0 0 0 0,-20 59 0 0 0,27-98 1933 0 0,0 0 0 0 0,-1-1 0 0 0,0 1 1 0 0,0-1-1 0 0,0 0 0 0 0,0 1 0 0 0,-1-2 0 0 0,0 1 1 0 0,0 0-1 0 0,-1-1 0 0 0,1 1 0 0 0,-1-1 1 0 0,0-1-1 0 0,-10 7 0 0 0,2-4-67 0 0</inkml:trace>
+</inkml:ink>
+</file>
+
+<file path=ppt/ink/ink18.xml><?xml version="1.0" encoding="utf-8"?>
+<inkml:ink xmlns:inkml="http://www.w3.org/2003/InkML">
+  <inkml:definitions>
+    <inkml:context xml:id="ctx0">
+      <inkml:inkSource xml:id="inkSrc0">
+        <inkml:traceFormat>
+          <inkml:channel name="X" type="integer" min="-2.14748E9" max="2.14748E9" units="cm"/>
+          <inkml:channel name="Y" type="integer" min="-2.14748E9" max="2.14748E9" units="cm"/>
+          <inkml:channel name="F" type="integer" max="32767" units="dev"/>
+          <inkml:channel name="OA" type="integer" max="360" units="deg"/>
+          <inkml:channel name="OE" type="integer" max="90" units="deg"/>
+        </inkml:traceFormat>
+        <inkml:channelProperties>
+          <inkml:channelProperty channel="X" name="resolution" value="1000" units="1/cm"/>
+          <inkml:channelProperty channel="Y" name="resolution" value="1000" units="1/cm"/>
+          <inkml:channelProperty channel="F" name="resolution" value="0" units="1/dev"/>
+          <inkml:channelProperty channel="OA" name="resolution" value="1000" units="1/deg"/>
+          <inkml:channelProperty channel="OE" name="resolution" value="1000" units="1/deg"/>
+        </inkml:channelProperties>
+      </inkml:inkSource>
+      <inkml:timestamp xml:id="ts0" timeString="2025-06-11T00:42:29.473"/>
+    </inkml:context>
+    <inkml:brush xml:id="br0">
+      <inkml:brushProperty name="width" value="0.035" units="cm"/>
+      <inkml:brushProperty name="height" value="0.035" units="cm"/>
+    </inkml:brush>
+  </inkml:definitions>
+  <inkml:trace contextRef="#ctx0" brushRef="#br0">569 3715 184 0 0,'-9'20'1641'0'0,"8"-12"7435"0"0,-22-34-6913 0 0,15 5-1726 0 0,-15-41 146 0 0,2 0 0 0 0,-16-82 0 0 0,15 21-520 0 0,-43-281 42 0 0,18-116 66 0 0,29 278-225 0 0,5-439-231 0 0,14 454 280 0 0,24-170-106 0 0,-4 136 54 0 0,-17 177 67 0 0,9-173 86 0 0,-10 85-52 0 0,-3 168-21 0 0,0-2 36 0 0,0-1 0 0 0,0 0 0 0 0,-1 0 0 0 0,1 0 0 0 0,-2 0 0 0 0,-1-6 0 0 0,3 12 629 0 0,-31 38-59 0 0,-14 28-623 0 0,-9 16-26 0 0,-129 146 0 0 0,170-215 111 0 0,12-11-116 0 0,-1 0 0 0 0,1 0 1 0 0,0 0-1 0 0,-1 0 0 0 0,1 0 0 0 0,0 1 1 0 0,0-1-1 0 0,0 0 0 0 0,0 1 0 0 0,0-1 1 0 0,1 1-1 0 0,-1-1 0 0 0,0 1 0 0 0,0 1 1 0 0,2-1-1 0 0,0-1 0 0 0,0 0 0 0 0,1-1 1 0 0,-1 1-1 0 0,1 0 0 0 0,-1 0 0 0 0,1 0 1 0 0,-1-1-1 0 0,1 1 0 0 0,-1-1 0 0 0,1 1 1 0 0,-1-1-1 0 0,1 0 0 0 0,0 0 0 0 0,-1 1 1 0 0,1-1-1 0 0,-1 0 0 0 0,1-1 1 0 0,2 1-1 0 0,24 2-3 0 0,0-2 0 0 0,1 0 0 0 0,-1-2 1 0 0,0-1-1 0 0,0-1 0 0 0,32-10 0 0 0,-46 10 39 0 0,-1 0 0 0 0,0 0 0 0 0,0-1 0 0 0,-1-1 0 0 0,0 0 0 0 0,0-1 0 0 0,0 0 0 0 0,-1-1 0 0 0,1 0 0 0 0,-2-1 0 0 0,0 0 0 0 0,0-1 0 0 0,0 0 0 0 0,13-19 0 0 0,-21 26 29 0 0,-1 1 0 0 0,0 0 0 0 0,0 0-1 0 0,0-1 1 0 0,0 1 0 0 0,0 0 0 0 0,-1-1 0 0 0,1 1 0 0 0,-1-1 0 0 0,1 1 0 0 0,-1-1 0 0 0,0 1 0 0 0,0-1 0 0 0,0 1-1 0 0,-1-1 1 0 0,1 1 0 0 0,0-1 0 0 0,-1 1 0 0 0,0 0 0 0 0,1-1 0 0 0,-3-2 0 0 0,1 0 104 0 0,-1 0 1 0 0,0 0-1 0 0,0 1 1 0 0,-1-1-1 0 0,1 1 1 0 0,-1 0-1 0 0,0 0 0 0 0,0 0 1 0 0,-7-4-1 0 0,2 2-390 0 0,1 0 0 0 0,-1 1-1 0 0,0 0 1 0 0,0 1 0 0 0,0 0-1 0 0,-1 0 1 0 0,1 1 0 0 0,-1 0-1 0 0,0 1 1 0 0,-17-3-1 0 0,25 5-103 0 0,-1 1 0 0 0,1-1 0 0 0,-1 0 0 0 0,1 1 0 0 0,0-1 0 0 0,-1 1 0 0 0,1 0 0 0 0,-1-1 0 0 0,1 1 0 0 0,0 1 0 0 0,0-1 0 0 0,-1 0 0 0 0,1 0 0 0 0,0 1 0 0 0,0-1 0 0 0,0 1 0 0 0,1 0 0 0 0,-1-1 0 0 0,-2 4 0 0 0,1 0-217 0 0,-1 0 0 0 0,1 0 0 0 0,1 0 0 0 0,-1 1 0 0 0,1-1 0 0 0,0 1 0 0 0,-3 11 0 0 0,1 6-305 0 0,1 0-1 0 0,1 0 0 0 0,1 27 1 0 0,1-49 862 0 0,0 24-280 0 0,2 1 39 0 0</inkml:trace>
+</inkml:ink>
+</file>
+
+<file path=ppt/ink/ink19.xml><?xml version="1.0" encoding="utf-8"?>
+<inkml:ink xmlns:inkml="http://www.w3.org/2003/InkML">
+  <inkml:definitions>
+    <inkml:context xml:id="ctx0">
+      <inkml:inkSource xml:id="inkSrc0">
+        <inkml:traceFormat>
+          <inkml:channel name="X" type="integer" min="-2.14748E9" max="2.14748E9" units="cm"/>
+          <inkml:channel name="Y" type="integer" min="-2.14748E9" max="2.14748E9" units="cm"/>
+          <inkml:channel name="F" type="integer" max="32767" units="dev"/>
+          <inkml:channel name="OA" type="integer" max="360" units="deg"/>
+          <inkml:channel name="OE" type="integer" max="90" units="deg"/>
+        </inkml:traceFormat>
+        <inkml:channelProperties>
+          <inkml:channelProperty channel="X" name="resolution" value="1000" units="1/cm"/>
+          <inkml:channelProperty channel="Y" name="resolution" value="1000" units="1/cm"/>
+          <inkml:channelProperty channel="F" name="resolution" value="0" units="1/dev"/>
+          <inkml:channelProperty channel="OA" name="resolution" value="1000" units="1/deg"/>
+          <inkml:channelProperty channel="OE" name="resolution" value="1000" units="1/deg"/>
+        </inkml:channelProperties>
+      </inkml:inkSource>
+      <inkml:timestamp xml:id="ts0" timeString="2025-06-11T00:42:30.718"/>
+    </inkml:context>
+    <inkml:brush xml:id="br0">
+      <inkml:brushProperty name="width" value="0.035" units="cm"/>
+      <inkml:brushProperty name="height" value="0.035" units="cm"/>
+    </inkml:brush>
+  </inkml:definitions>
+  <inkml:trace contextRef="#ctx0" brushRef="#br0">363 61 80 0 0,'-16'-42'1451'0'0,"15"40"-1187"0"0,1 1 0 0 0,-1 0 0 0 0,-1-1 0 0 0,1 1 0 0 0,0-1 0 0 0,0 1-1 0 0,0 0 1 0 0,-1 0 0 0 0,1 0 0 0 0,-1 0 0 0 0,1 0 0 0 0,-1 0 0 0 0,1 0 0 0 0,-3 0 0 0 0,3 1-139 0 0,0 0 1 0 0,0 0-1 0 0,-1 0 1 0 0,1 1-1 0 0,0-1 1 0 0,0 0-1 0 0,-1 1 1 0 0,1-1-1 0 0,0 1 1 0 0,0 0-1 0 0,0-1 1 0 0,0 1-1 0 0,0 0 1 0 0,0 0-1 0 0,0-1 1 0 0,0 1-1 0 0,0 0 1 0 0,0 0-1 0 0,0 0 1 0 0,0 0-1 0 0,1 0 0 0 0,-1 1 1 0 0,0-1-1 0 0,1 0 1 0 0,-1 0-1 0 0,1 0 1 0 0,-1 0-1 0 0,1 1 1 0 0,0-1-1 0 0,-1 2 1 0 0,-11 42 774 0 0,11-43-794 0 0,-10 74 785 0 0,3 1 0 0 0,2 93-1 0 0,2-45-273 0 0,-6 691 1000 0 0,76 159-1597 0 0,-50-819 172 0 0,44 278 493 0 0,-53-407-664 0 0,-2-1-184 0 0,-28-51 211 0 0,-14-28 220 0 0,3 2 158 0 0,-1 2 1 0 0,-3 1-1 0 0,-2 3 1 0 0,-67-62-1 0 0,106 106-375 0 0,-37-26 1022 0 0,36 25-928 0 0,0 1 1 0 0,0 0-1 0 0,0 0 1 0 0,0 0-1 0 0,0 0 0 0 0,0 0 1 0 0,0 0-1 0 0,0 0 1 0 0,0 1-1 0 0,0-1 1 0 0,0 1-1 0 0,-1 0 0 0 0,1 0 1 0 0,0-1-1 0 0,0 2 1 0 0,0-1-1 0 0,-5 0 1 0 0,7 1-105 0 0,0-1 0 0 0,-1 0 0 0 0,1 0 0 0 0,0 0 0 0 0,0 0 0 0 0,-1 1 0 0 0,1-1 0 0 0,0 0 0 0 0,0 0 1 0 0,0 0-1 0 0,-1 1 0 0 0,1-1 0 0 0,0 0 0 0 0,0 0 0 0 0,0 1 0 0 0,0-1 0 0 0,-1 0 0 0 0,1 1 0 0 0,0-1 0 0 0,0 0 0 0 0,0 0 1 0 0,0 1-1 0 0,0-1 0 0 0,0 0 0 0 0,0 1 0 0 0,0-1 0 0 0,0 0 0 0 0,0 0 0 0 0,0 1 0 0 0,0-1 0 0 0,0 0 0 0 0,0 1 0 0 0,0-1 1 0 0,0 0-1 0 0,1 1 0 0 0,-1-1 0 0 0,0 0 0 0 0,0 0 0 0 0,0 1 0 0 0,1-1 0 0 0,11 16 181 0 0,20 11-523 0 0,-16-16 278 0 0,1 0 0 0 0,0-2 1 0 0,1 0-1 0 0,-1 0 1 0 0,33 9-1 0 0,95 15 99 0 0,-59-16 28 0 0,-82-17-95 0 0,0 1 1 0 0,0 0 0 0 0,0 1 0 0 0,-1-1-1 0 0,1 0 1 0 0,0 1 0 0 0,0 0 0 0 0,-1 0 0 0 0,1 0-1 0 0,-1 1 1 0 0,0-1 0 0 0,1 1 0 0 0,-1 0-1 0 0,0-1 1 0 0,-1 2 0 0 0,1-1 0 0 0,0 0 0 0 0,-1 0-1 0 0,0 1 1 0 0,0-1 0 0 0,0 1 0 0 0,0 0-1 0 0,0 0 1 0 0,0 3 0 0 0,0 3-7 0 0,0 0 0 0 0,-1-1 1 0 0,0 1-1 0 0,-1 0 0 0 0,0 0 0 0 0,-1-1 1 0 0,0 1-1 0 0,0 0 0 0 0,-4 11 0 0 0,3-13-362 0 0,-17 57 856 0 0,2-37-2562 0 0,-9-9-5281 0 0</inkml:trace>
+</inkml:ink>
+</file>
+
+<file path=ppt/ink/ink2.xml><?xml version="1.0" encoding="utf-8"?>
+<inkml:ink xmlns:inkml="http://www.w3.org/2003/InkML">
+  <inkml:definitions>
+    <inkml:context xml:id="ctx0">
+      <inkml:inkSource xml:id="inkSrc0">
+        <inkml:traceFormat>
+          <inkml:channel name="X" type="integer" min="-2.14748E9" max="2.14748E9" units="cm"/>
+          <inkml:channel name="Y" type="integer" min="-2.14748E9" max="2.14748E9" units="cm"/>
+          <inkml:channel name="F" type="integer" max="32767" units="dev"/>
+          <inkml:channel name="OA" type="integer" max="360" units="deg"/>
+          <inkml:channel name="OE" type="integer" max="90" units="deg"/>
+        </inkml:traceFormat>
+        <inkml:channelProperties>
+          <inkml:channelProperty channel="X" name="resolution" value="1000" units="1/cm"/>
+          <inkml:channelProperty channel="Y" name="resolution" value="1000" units="1/cm"/>
+          <inkml:channelProperty channel="F" name="resolution" value="0" units="1/dev"/>
+          <inkml:channelProperty channel="OA" name="resolution" value="1000" units="1/deg"/>
+          <inkml:channelProperty channel="OE" name="resolution" value="1000" units="1/deg"/>
+        </inkml:channelProperties>
+      </inkml:inkSource>
+      <inkml:timestamp xml:id="ts0" timeString="2025-06-11T00:43:29.916"/>
+    </inkml:context>
+    <inkml:brush xml:id="br0">
+      <inkml:brushProperty name="width" value="0.035" units="cm"/>
+      <inkml:brushProperty name="height" value="0.035" units="cm"/>
+    </inkml:brush>
+  </inkml:definitions>
+  <inkml:trace contextRef="#ctx0" brushRef="#br0">251 476 132 0 0,'-23'6'5216'0'0,"20"-3"-4947"0"0,-1 1 1 0 0,1 1 0 0 0,0-1-1 0 0,0 0 1 0 0,1 1 0 0 0,-1-1-1 0 0,1 1 1 0 0,0 0-1 0 0,1 0 1 0 0,-1 0 0 0 0,-1 9-1 0 0,-7 64 857 0 0,8-51-869 0 0,-29 329 973 0 0,-49 343 251 0 0,52-544-1151 0 0,-14 247 0 0 0,39-279-218 0 0,14 141 1 0 0,-5-211-86 0 0,2 0 0 0 0,2-1 0 0 0,3 0 0 0 0,2-1 0 0 0,26 61 0 0 0,144 255 202 0 0,-155-319-206 0 0,1-2 0 0 0,3 0 0 0 0,2-3 0 0 0,1-1 0 0 0,55 48 0 0 0,-36-45-38 0 0,2-2 0 0 0,2-2-1 0 0,2-3 1 0 0,80 36 0 0 0,-50-35-21 0 0,1-3-1 0 0,147 35 0 0 0,-32-29 273 0 0,1-10 0 0 0,269 8 0 0 0,-351-39-260 0 0,-1-5 0 0 0,0-6 1 0 0,-1-5-1 0 0,178-46 1 0 0,-225 41-76 0 0,-1-3 1 0 0,-1-4 0 0 0,-1-3 0 0 0,111-63 0 0 0,-137 65 169 0 0,-2-3-1 0 0,-1-2 1 0 0,-1-1 0 0 0,-2-3 0 0 0,-1-1-1 0 0,-3-3 1 0 0,48-60 0 0 0,-67 74-3 0 0,-1-1 0 0 0,-2-1 0 0 0,-1-1 0 0 0,-1 0-1 0 0,-1 0 1 0 0,-2-2 0 0 0,-1 0 0 0 0,12-57 0 0 0,-20 73-97 0 0,-1 0 0 0 0,-1 1 1 0 0,0-1-1 0 0,-1 0 0 0 0,-1 0 0 0 0,-1 1 1 0 0,0-1-1 0 0,0 1 0 0 0,-2-1 1 0 0,0 1-1 0 0,-1 0 0 0 0,0 0 0 0 0,-1 1 1 0 0,-1-1-1 0 0,0 1 0 0 0,-1 1 0 0 0,0 0 1 0 0,-2 0-1 0 0,1 0 0 0 0,-20-18 0 0 0,3 7 62 0 0,-1 2-1 0 0,0 2 1 0 0,-2 0-1 0 0,-1 2 1 0 0,0 1 0 0 0,-48-20-1 0 0,-208-61 786 0 0,129 49-378 0 0,96 27-584 0 0,1-2 0 0 0,1-2 1 0 0,1-4-1 0 0,2-1 0 0 0,1-3 1 0 0,2-3-1 0 0,1-1 0 0 0,3-3 0 0 0,0-2 1 0 0,-64-76-1 0 0,98 98 38 0 0,0 0 1 0 0,1-1-1 0 0,1 0 1 0 0,1-1-1 0 0,2-1 1 0 0,-13-39-1 0 0,12 26 310 0 0,1 0-1 0 0,2-1 1 0 0,-4-68-1 0 0,13 72-152 0 0,1 1-1 0 0,2-1 1 0 0,2 1-1 0 0,1 0 0 0 0,1 0 1 0 0,22-53-1 0 0,6-30-246 0 0,-20 56-37 0 0,12-103-1 0 0,-26 136 221 0 0,0 0 0 0 0,-2 1 0 0 0,-1-1 0 0 0,-1 0 0 0 0,-1 1-1 0 0,-10-39 1 0 0,3 40 342 0 0,-1 0-1 0 0,0 0 0 0 0,-2 1 1 0 0,-1 0-1 0 0,-20-25 0 0 0,-20-36 418 0 0,22 29-622 0 0,-2 1 1 0 0,-56-67-1 0 0,66 94-70 0 0,-2 0 1 0 0,-1 2-1 0 0,-1 1 0 0 0,-1 1 0 0 0,-46-29 1 0 0,-173-82-480 0 0,207 117 332 0 0,0 2 0 0 0,-1 1 0 0 0,-1 3 0 0 0,-59-10 0 0 0,40 13 234 0 0,0 3 1 0 0,-118 3 0 0 0,144 6-7 0 0,0 1 0 0 0,0 2-1 0 0,0 2 1 0 0,1 1 0 0 0,0 2 0 0 0,-46 20 0 0 0,36-10-184 0 0,1 2 0 0 0,1 2 1 0 0,2 2-1 0 0,0 2 0 0 0,2 1 0 0 0,1 2 0 0 0,1 2 1 0 0,2 1-1 0 0,2 2 0 0 0,-31 43 0 0 0,-137 209-859 0 0,161-225-2759 0 0,3 0-3420 0 0,36-62 6820 0 0,0 0-1 0 0,0 0 1 0 0,0 0 0 0 0,0 0-1 0 0,0 0 1 0 0,0 0 0 0 0,1 0 0 0 0,-1 0-1 0 0,0 0 1 0 0,1 0 0 0 0,0 0-1 0 0,0 1 1 0 0,0-1 0 0 0,0 0-1 0 0,0 0 1 0 0,0 0 0 0 0,0 1 0 0 0,1-1-1 0 0,-1 0 1 0 0,1 3 0 0 0,2 0 34 0 0</inkml:trace>
+</inkml:ink>
+</file>
+
+<file path=ppt/ink/ink20.xml><?xml version="1.0" encoding="utf-8"?>
+<inkml:ink xmlns:inkml="http://www.w3.org/2003/InkML">
+  <inkml:definitions>
+    <inkml:context xml:id="ctx0">
+      <inkml:inkSource xml:id="inkSrc0">
+        <inkml:traceFormat>
+          <inkml:channel name="X" type="integer" min="-2.14748E9" max="2.14748E9" units="cm"/>
+          <inkml:channel name="Y" type="integer" min="-2.14748E9" max="2.14748E9" units="cm"/>
+          <inkml:channel name="F" type="integer" max="32767" units="dev"/>
+          <inkml:channel name="OA" type="integer" max="360" units="deg"/>
+          <inkml:channel name="OE" type="integer" max="90" units="deg"/>
+        </inkml:traceFormat>
+        <inkml:channelProperties>
+          <inkml:channelProperty channel="X" name="resolution" value="1000" units="1/cm"/>
+          <inkml:channelProperty channel="Y" name="resolution" value="1000" units="1/cm"/>
+          <inkml:channelProperty channel="F" name="resolution" value="0" units="1/dev"/>
+          <inkml:channelProperty channel="OA" name="resolution" value="1000" units="1/deg"/>
+          <inkml:channelProperty channel="OE" name="resolution" value="1000" units="1/deg"/>
+        </inkml:channelProperties>
+      </inkml:inkSource>
+      <inkml:timestamp xml:id="ts0" timeString="2025-06-11T00:42:33.884"/>
+    </inkml:context>
+    <inkml:brush xml:id="br0">
+      <inkml:brushProperty name="width" value="0.035" units="cm"/>
+      <inkml:brushProperty name="height" value="0.035" units="cm"/>
+    </inkml:brush>
+  </inkml:definitions>
+  <inkml:trace contextRef="#ctx0" brushRef="#br0">523 2458 188 0 0,'-40'39'2886'0'0,"35"-33"579"0"0,-12-35-2316 0 0,6-4-824 0 0,2 0 0 0 0,1-1 1 0 0,-7-61-1 0 0,7 33-62 0 0,-9-71 202 0 0,0-160-1 0 0,22-138-39 0 0,1 101-290 0 0,-4-558 190 0 0,-12 747 236 0 0,10 141-49 0 0,-3 2-501 0 0,0 0-1 0 0,1 0 1 0 0,-1 0-1 0 0,0 0 1 0 0,1 1-1 0 0,0-1 1 0 0,0 1-1 0 0,0 0 1 0 0,0 0-1 0 0,0 0 1 0 0,0 0-1 0 0,1 0 1 0 0,-2 3-1 0 0,-5 7-30 0 0,-45 64-59 0 0,-91 118 45 0 0,110-156 33 0 0,-74 90-53 0 0,172-142-406 0 0,-26-3 473 0 0,-1-2-1 0 0,-1-1 1 0 0,-1-2-1 0 0,0-1 0 0 0,-2-2 1 0 0,-1-1-1 0 0,0-1 1 0 0,-2-2-1 0 0,-2-2 0 0 0,0 0 1 0 0,29-44-1 0 0,-54 70 26 0 0,1-1 52 0 0,0 0 0 0 0,0 0 0 0 0,-1-1 0 0 0,0 1 0 0 0,0-1 0 0 0,-1 0 0 0 0,1 0 1 0 0,-1 0-1 0 0,2-12 0 0 0,-9 12 88 0 0,0 0 0 0 0,-1 1 1 0 0,0-1-1 0 0,0 1 0 0 0,0 0 1 0 0,-1 1-1 0 0,0 0 0 0 0,-7-4 1 0 0,9 5-234 0 0,8 26-9081 0 0,11 53 5815 0 0,-11-58 2546 0 0,4 26 93 0 0,-3-20 432 0 0</inkml:trace>
+</inkml:ink>
+</file>
+
+<file path=ppt/ink/ink21.xml><?xml version="1.0" encoding="utf-8"?>
+<inkml:ink xmlns:inkml="http://www.w3.org/2003/InkML">
+  <inkml:definitions>
+    <inkml:context xml:id="ctx0">
+      <inkml:inkSource xml:id="inkSrc0">
+        <inkml:traceFormat>
+          <inkml:channel name="X" type="integer" min="-2.14748E9" max="2.14748E9" units="cm"/>
+          <inkml:channel name="Y" type="integer" min="-2.14748E9" max="2.14748E9" units="cm"/>
+          <inkml:channel name="F" type="integer" max="32767" units="dev"/>
+          <inkml:channel name="OA" type="integer" max="360" units="deg"/>
+          <inkml:channel name="OE" type="integer" max="90" units="deg"/>
+        </inkml:traceFormat>
+        <inkml:channelProperties>
+          <inkml:channelProperty channel="X" name="resolution" value="1000" units="1/cm"/>
+          <inkml:channelProperty channel="Y" name="resolution" value="1000" units="1/cm"/>
+          <inkml:channelProperty channel="F" name="resolution" value="0" units="1/dev"/>
+          <inkml:channelProperty channel="OA" name="resolution" value="1000" units="1/deg"/>
+          <inkml:channelProperty channel="OE" name="resolution" value="1000" units="1/deg"/>
+        </inkml:channelProperties>
+      </inkml:inkSource>
+      <inkml:timestamp xml:id="ts0" timeString="2025-06-11T00:42:34.976"/>
+    </inkml:context>
+    <inkml:brush xml:id="br0">
+      <inkml:brushProperty name="width" value="0.035" units="cm"/>
+      <inkml:brushProperty name="height" value="0.035" units="cm"/>
+    </inkml:brush>
+  </inkml:definitions>
+  <inkml:trace contextRef="#ctx0" brushRef="#br0">285 83 64 0 0,'-2'-8'243'0'0,"0"0"0"0"0,-1 0 1 0 0,0 0-1 0 0,0 0 0 0 0,-1 1 0 0 0,-5-10 1 0 0,8 16-131 0 0,0-1 0 0 0,0 1 0 0 0,0 0 1 0 0,0-1-1 0 0,0 1 0 0 0,0 0 1 0 0,0 0-1 0 0,0 0 0 0 0,-1-1 0 0 0,1 1 1 0 0,0 1-1 0 0,-1-1 0 0 0,1 0 1 0 0,-1 0-1 0 0,1 0 0 0 0,-3 0 0 0 0,3 1-45 0 0,0 0-1 0 0,0 1 1 0 0,0-1-1 0 0,0 0 1 0 0,0 1-1 0 0,0-1 1 0 0,0 0-1 0 0,0 1 1 0 0,0-1-1 0 0,0 1 0 0 0,0 0 1 0 0,0-1-1 0 0,0 1 1 0 0,0 0-1 0 0,0-1 1 0 0,0 1-1 0 0,1 0 1 0 0,-1 0-1 0 0,0 0 1 0 0,1 0-1 0 0,-1 0 0 0 0,0 0 1 0 0,1 0-1 0 0,-1 0 1 0 0,1 0-1 0 0,0 0 1 0 0,-1 2-1 0 0,-4 12 40 0 0,1 0 1 0 0,1 1-1 0 0,0-1 0 0 0,1 1 1 0 0,1 0-1 0 0,0 0 0 0 0,1 0 1 0 0,3 21-1 0 0,-2 10-4 0 0,-1 80 190 0 0,5 595 974 0 0,35-3-817 0 0,-15-515-337 0 0,57 227-1 0 0,-75-410-77 0 0,3 15 26 0 0,-10-35 102 0 0,-4-3-80 0 0,0-1 1 0 0,1 1 0 0 0,-1-1 0 0 0,1 1 0 0 0,0-1 0 0 0,0 0 0 0 0,0 0-1 0 0,-4-5 1 0 0,-2-2 30 0 0,-40-35 128 0 0,14 11-166 0 0,-2 2 0 0 0,0 2 0 0 0,-47-29 0 0 0,3 4 333 0 0,81 54-426 0 0,31-8-221 0 0,-4 3 222 0 0,0 1-1 0 0,1 2 0 0 0,-1 0 1 0 0,42 3-1 0 0,109 17 119 0 0,-165-15-26 0 0,0 0-1 0 0,-1 1 1 0 0,0 0 0 0 0,0 1 0 0 0,0 0-1 0 0,0 1 1 0 0,0 1 0 0 0,-1-1 0 0 0,0 2-1 0 0,11 8 1 0 0,-16-10 37 0 0,-1 0-1 0 0,0 0 1 0 0,0 0-1 0 0,-1 1 1 0 0,0 0 0 0 0,0 0-1 0 0,0 0 1 0 0,0 0 0 0 0,-1 1-1 0 0,0 0 1 0 0,-1-1 0 0 0,1 1-1 0 0,-1 0 1 0 0,-1 0-1 0 0,1 0 1 0 0,-1 0 0 0 0,0 0-1 0 0,-1 1 1 0 0,0 7 0 0 0,0-3 9 0 0,0 0 0 0 0,-1 1 1 0 0,0-1-1 0 0,-1 0 0 0 0,-5 21 1 0 0,6-31-270 0 0,0 0-1 0 0,0 0 1 0 0,0 0 0 0 0,0 0 0 0 0,0-1 0 0 0,0 1-1 0 0,0 0 1 0 0,-1 0 0 0 0,1-1 0 0 0,0 1 0 0 0,-1-1 0 0 0,0 1-1 0 0,1-1 1 0 0,-1 0 0 0 0,0 0 0 0 0,-3 2 0 0 0,3-2-270 0 0,0-1 1 0 0,-1 1 0 0 0,1-1-1 0 0,-1 0 1 0 0,1 1 0 0 0,-1-1 0 0 0,1 0-1 0 0,-1-1 1 0 0,1 1 0 0 0,-1 0-1 0 0,1-1 1 0 0,0 1 0 0 0,-1-1-1 0 0,1 0 1 0 0,-1 0 0 0 0,1 0-1 0 0,-4-2 1 0 0,-54-40-3664 0 0,48 35 3773 0 0</inkml:trace>
+</inkml:ink>
+</file>
+
+<file path=ppt/ink/ink3.xml><?xml version="1.0" encoding="utf-8"?>
+<inkml:ink xmlns:inkml="http://www.w3.org/2003/InkML">
+  <inkml:definitions>
+    <inkml:context xml:id="ctx0">
+      <inkml:inkSource xml:id="inkSrc0">
+        <inkml:traceFormat>
+          <inkml:channel name="X" type="integer" min="-2.14748E9" max="2.14748E9" units="cm"/>
+          <inkml:channel name="Y" type="integer" min="-2.14748E9" max="2.14748E9" units="cm"/>
+          <inkml:channel name="F" type="integer" max="32767" units="dev"/>
+          <inkml:channel name="OA" type="integer" max="360" units="deg"/>
+          <inkml:channel name="OE" type="integer" max="90" units="deg"/>
+        </inkml:traceFormat>
+        <inkml:channelProperties>
+          <inkml:channelProperty channel="X" name="resolution" value="1000" units="1/cm"/>
+          <inkml:channelProperty channel="Y" name="resolution" value="1000" units="1/cm"/>
+          <inkml:channelProperty channel="F" name="resolution" value="0" units="1/dev"/>
+          <inkml:channelProperty channel="OA" name="resolution" value="1000" units="1/deg"/>
+          <inkml:channelProperty channel="OE" name="resolution" value="1000" units="1/deg"/>
+        </inkml:channelProperties>
+      </inkml:inkSource>
+      <inkml:timestamp xml:id="ts0" timeString="2025-06-11T00:43:30.833"/>
+    </inkml:context>
+    <inkml:brush xml:id="br0">
+      <inkml:brushProperty name="width" value="0.035" units="cm"/>
+      <inkml:brushProperty name="height" value="0.035" units="cm"/>
+    </inkml:brush>
+  </inkml:definitions>
+  <inkml:trace contextRef="#ctx0" brushRef="#br0">124 1 220 0 0,'0'0'555'0'0,"-19"34"3735"0"0,-22 45-3961 0 0,-2 50-4415 0 0,28-84 3171 0 0,9-30 682 0 0</inkml:trace>
+</inkml:ink>
+</file>
+
+<file path=ppt/ink/ink4.xml><?xml version="1.0" encoding="utf-8"?>
+<inkml:ink xmlns:inkml="http://www.w3.org/2003/InkML">
+  <inkml:definitions>
+    <inkml:context xml:id="ctx0">
+      <inkml:inkSource xml:id="inkSrc0">
+        <inkml:traceFormat>
+          <inkml:channel name="X" type="integer" min="-2.14748E9" max="2.14748E9" units="cm"/>
+          <inkml:channel name="Y" type="integer" min="-2.14748E9" max="2.14748E9" units="cm"/>
+          <inkml:channel name="F" type="integer" max="32767" units="dev"/>
+          <inkml:channel name="OA" type="integer" max="360" units="deg"/>
+          <inkml:channel name="OE" type="integer" max="90" units="deg"/>
+        </inkml:traceFormat>
+        <inkml:channelProperties>
+          <inkml:channelProperty channel="X" name="resolution" value="1000" units="1/cm"/>
+          <inkml:channelProperty channel="Y" name="resolution" value="1000" units="1/cm"/>
+          <inkml:channelProperty channel="F" name="resolution" value="0" units="1/dev"/>
+          <inkml:channelProperty channel="OA" name="resolution" value="1000" units="1/deg"/>
+          <inkml:channelProperty channel="OE" name="resolution" value="1000" units="1/deg"/>
+        </inkml:channelProperties>
+      </inkml:inkSource>
+      <inkml:timestamp xml:id="ts0" timeString="2025-06-11T00:43:30.976"/>
+    </inkml:context>
+    <inkml:brush xml:id="br0">
+      <inkml:brushProperty name="width" value="0.035" units="cm"/>
+      <inkml:brushProperty name="height" value="0.035" units="cm"/>
+    </inkml:brush>
+  </inkml:definitions>
+  <inkml:trace contextRef="#ctx0" brushRef="#br0">126 0 176 0 0,'-6'33'1294'0'0,"-2"-1"0"0"0,-1 0 1 0 0,-27 60-1 0 0,-4 17-3763 0 0,16-42-158 0 0,21-58 2410 0 0</inkml:trace>
+</inkml:ink>
+</file>
+
+<file path=ppt/ink/ink5.xml><?xml version="1.0" encoding="utf-8"?>
+<inkml:ink xmlns:inkml="http://www.w3.org/2003/InkML">
+  <inkml:definitions>
+    <inkml:context xml:id="ctx0">
+      <inkml:inkSource xml:id="inkSrc0">
+        <inkml:traceFormat>
+          <inkml:channel name="X" type="integer" min="-2.14748E9" max="2.14748E9" units="cm"/>
+          <inkml:channel name="Y" type="integer" min="-2.14748E9" max="2.14748E9" units="cm"/>
+          <inkml:channel name="F" type="integer" max="32767" units="dev"/>
+          <inkml:channel name="OA" type="integer" max="360" units="deg"/>
+          <inkml:channel name="OE" type="integer" max="90" units="deg"/>
+        </inkml:traceFormat>
+        <inkml:channelProperties>
+          <inkml:channelProperty channel="X" name="resolution" value="1000" units="1/cm"/>
+          <inkml:channelProperty channel="Y" name="resolution" value="1000" units="1/cm"/>
+          <inkml:channelProperty channel="F" name="resolution" value="0" units="1/dev"/>
+          <inkml:channelProperty channel="OA" name="resolution" value="1000" units="1/deg"/>
+          <inkml:channelProperty channel="OE" name="resolution" value="1000" units="1/deg"/>
+        </inkml:channelProperties>
+      </inkml:inkSource>
+      <inkml:timestamp xml:id="ts0" timeString="2025-06-11T00:43:31.099"/>
+    </inkml:context>
+    <inkml:brush xml:id="br0">
+      <inkml:brushProperty name="width" value="0.035" units="cm"/>
+      <inkml:brushProperty name="height" value="0.035" units="cm"/>
+    </inkml:brush>
+  </inkml:definitions>
+  <inkml:trace contextRef="#ctx0" brushRef="#br0">96 0 68 0 0,'-3'64'1980'0'0,"-2"0"1"0"0,-18 85-1 0 0,-16 34-6043 0 0,18-103 2394 0 0,17-65 1452 0 0</inkml:trace>
+</inkml:ink>
+</file>
+
+<file path=ppt/ink/ink6.xml><?xml version="1.0" encoding="utf-8"?>
+<inkml:ink xmlns:inkml="http://www.w3.org/2003/InkML">
+  <inkml:definitions>
+    <inkml:context xml:id="ctx0">
+      <inkml:inkSource xml:id="inkSrc0">
+        <inkml:traceFormat>
+          <inkml:channel name="X" type="integer" min="-2.14748E9" max="2.14748E9" units="cm"/>
+          <inkml:channel name="Y" type="integer" min="-2.14748E9" max="2.14748E9" units="cm"/>
+          <inkml:channel name="F" type="integer" max="32767" units="dev"/>
+          <inkml:channel name="OA" type="integer" max="360" units="deg"/>
+          <inkml:channel name="OE" type="integer" max="90" units="deg"/>
+        </inkml:traceFormat>
+        <inkml:channelProperties>
+          <inkml:channelProperty channel="X" name="resolution" value="1000" units="1/cm"/>
+          <inkml:channelProperty channel="Y" name="resolution" value="1000" units="1/cm"/>
+          <inkml:channelProperty channel="F" name="resolution" value="0" units="1/dev"/>
+          <inkml:channelProperty channel="OA" name="resolution" value="1000" units="1/deg"/>
+          <inkml:channelProperty channel="OE" name="resolution" value="1000" units="1/deg"/>
+        </inkml:channelProperties>
+      </inkml:inkSource>
+      <inkml:timestamp xml:id="ts0" timeString="2025-06-11T00:43:31.256"/>
+    </inkml:context>
+    <inkml:brush xml:id="br0">
+      <inkml:brushProperty name="width" value="0.035" units="cm"/>
+      <inkml:brushProperty name="height" value="0.035" units="cm"/>
+    </inkml:brush>
+  </inkml:definitions>
+  <inkml:trace contextRef="#ctx0" brushRef="#br0">60 0 180 0 0,'1'21'913'0'0,"-2"1"-1"0"0,0-1 1 0 0,-2 0-1 0 0,0 0 1 0 0,-1 0-1 0 0,-8 22 1 0 0,-8 43-2029 0 0,14-52-609 0 0,2-20 1037 0 0,2 0 0 0 0,0 1-1 0 0,1-1 1 0 0,0 23-1 0 0,3-25 472 0 0</inkml:trace>
+</inkml:ink>
+</file>
+
+<file path=ppt/ink/ink7.xml><?xml version="1.0" encoding="utf-8"?>
+<inkml:ink xmlns:inkml="http://www.w3.org/2003/InkML">
+  <inkml:definitions>
+    <inkml:context xml:id="ctx0">
+      <inkml:inkSource xml:id="inkSrc0">
+        <inkml:traceFormat>
+          <inkml:channel name="X" type="integer" min="-2.14748E9" max="2.14748E9" units="cm"/>
+          <inkml:channel name="Y" type="integer" min="-2.14748E9" max="2.14748E9" units="cm"/>
+          <inkml:channel name="F" type="integer" max="32767" units="dev"/>
+          <inkml:channel name="OA" type="integer" max="360" units="deg"/>
+          <inkml:channel name="OE" type="integer" max="90" units="deg"/>
+        </inkml:traceFormat>
+        <inkml:channelProperties>
+          <inkml:channelProperty channel="X" name="resolution" value="1000" units="1/cm"/>
+          <inkml:channelProperty channel="Y" name="resolution" value="1000" units="1/cm"/>
+          <inkml:channelProperty channel="F" name="resolution" value="0" units="1/dev"/>
+          <inkml:channelProperty channel="OA" name="resolution" value="1000" units="1/deg"/>
+          <inkml:channelProperty channel="OE" name="resolution" value="1000" units="1/deg"/>
+        </inkml:channelProperties>
+      </inkml:inkSource>
+      <inkml:timestamp xml:id="ts0" timeString="2025-06-11T00:43:31.380"/>
+    </inkml:context>
+    <inkml:brush xml:id="br0">
+      <inkml:brushProperty name="width" value="0.035" units="cm"/>
+      <inkml:brushProperty name="height" value="0.035" units="cm"/>
+    </inkml:brush>
+  </inkml:definitions>
+  <inkml:trace contextRef="#ctx0" brushRef="#br0">81 0 152 0 0,'1'14'671'0'0,"-1"0"-1"0"0,0 0 1 0 0,-1-1-1 0 0,-1 1 1 0 0,0 0-1 0 0,-5 18 1 0 0,-15 37 601 0 0,7-26-4040 0 0,13-40 2400 0 0,-25 58-2405 0 0,24-54 2568 0 0</inkml:trace>
+</inkml:ink>
+</file>
+
+<file path=ppt/ink/ink8.xml><?xml version="1.0" encoding="utf-8"?>
+<inkml:ink xmlns:inkml="http://www.w3.org/2003/InkML">
+  <inkml:definitions>
+    <inkml:context xml:id="ctx0">
+      <inkml:inkSource xml:id="inkSrc0">
+        <inkml:traceFormat>
+          <inkml:channel name="X" type="integer" min="-2.14748E9" max="2.14748E9" units="cm"/>
+          <inkml:channel name="Y" type="integer" min="-2.14748E9" max="2.14748E9" units="cm"/>
+          <inkml:channel name="F" type="integer" max="32767" units="dev"/>
+          <inkml:channel name="OA" type="integer" max="360" units="deg"/>
+          <inkml:channel name="OE" type="integer" max="90" units="deg"/>
+        </inkml:traceFormat>
+        <inkml:channelProperties>
+          <inkml:channelProperty channel="X" name="resolution" value="1000" units="1/cm"/>
+          <inkml:channelProperty channel="Y" name="resolution" value="1000" units="1/cm"/>
+          <inkml:channelProperty channel="F" name="resolution" value="0" units="1/dev"/>
+          <inkml:channelProperty channel="OA" name="resolution" value="1000" units="1/deg"/>
+          <inkml:channelProperty channel="OE" name="resolution" value="1000" units="1/deg"/>
+        </inkml:channelProperties>
+      </inkml:inkSource>
+      <inkml:timestamp xml:id="ts0" timeString="2025-06-11T00:43:31.521"/>
+    </inkml:context>
+    <inkml:brush xml:id="br0">
+      <inkml:brushProperty name="width" value="0.035" units="cm"/>
+      <inkml:brushProperty name="height" value="0.035" units="cm"/>
+    </inkml:brush>
+  </inkml:definitions>
+  <inkml:trace contextRef="#ctx0" brushRef="#br0">109 1 232 0 0,'0'11'481'0'0,"0"0"0"0"0,-1 0-1 0 0,0-1 1 0 0,-1 1 0 0 0,0 0 0 0 0,-1 0-1 0 0,0-1 1 0 0,0 1 0 0 0,-7 11 0 0 0,-6 25 1810 0 0,-14 36-2355 0 0,20-60-1408 0 0,2 0 0 0 0,0 0-1 0 0,-4 27 1 0 0,14-43 327 0 0,-2-7 940 0 0</inkml:trace>
+</inkml:ink>
+</file>
+
+<file path=ppt/ink/ink9.xml><?xml version="1.0" encoding="utf-8"?>
+<inkml:ink xmlns:inkml="http://www.w3.org/2003/InkML">
+  <inkml:definitions>
+    <inkml:context xml:id="ctx0">
+      <inkml:inkSource xml:id="inkSrc0">
+        <inkml:traceFormat>
+          <inkml:channel name="X" type="integer" min="-2.14748E9" max="2.14748E9" units="cm"/>
+          <inkml:channel name="Y" type="integer" min="-2.14748E9" max="2.14748E9" units="cm"/>
+          <inkml:channel name="F" type="integer" max="32767" units="dev"/>
+          <inkml:channel name="OA" type="integer" max="360" units="deg"/>
+          <inkml:channel name="OE" type="integer" max="90" units="deg"/>
+        </inkml:traceFormat>
+        <inkml:channelProperties>
+          <inkml:channelProperty channel="X" name="resolution" value="1000" units="1/cm"/>
+          <inkml:channelProperty channel="Y" name="resolution" value="1000" units="1/cm"/>
+          <inkml:channelProperty channel="F" name="resolution" value="0" units="1/dev"/>
+          <inkml:channelProperty channel="OA" name="resolution" value="1000" units="1/deg"/>
+          <inkml:channelProperty channel="OE" name="resolution" value="1000" units="1/deg"/>
+        </inkml:channelProperties>
+      </inkml:inkSource>
+      <inkml:timestamp xml:id="ts0" timeString="2025-06-11T00:43:31.677"/>
+    </inkml:context>
+    <inkml:brush xml:id="br0">
+      <inkml:brushProperty name="width" value="0.035" units="cm"/>
+      <inkml:brushProperty name="height" value="0.035" units="cm"/>
+    </inkml:brush>
+  </inkml:definitions>
+  <inkml:trace contextRef="#ctx0" brushRef="#br0">100 0 216 0 0,'1'1'110'0'0,"0"0"1"0"0,0-1-1 0 0,0 1 0 0 0,0 0 1 0 0,0-1-1 0 0,-1 1 0 0 0,1 0 1 0 0,0 0-1 0 0,0 0 0 0 0,-1 0 1 0 0,1 0-1 0 0,-1 0 0 0 0,1 0 1 0 0,-1 0-1 0 0,1 0 0 0 0,-1 0 1 0 0,1 0-1 0 0,-1 0 0 0 0,0 0 1 0 0,0 0-1 0 0,0 0 0 0 0,1 0 1 0 0,-1 0-1 0 0,0 1 0 0 0,0-1 1 0 0,-1 0-1 0 0,1 0 0 0 0,0 0 1 0 0,0 0-1 0 0,0 0 0 0 0,-1 0 1 0 0,1 0-1 0 0,-1 0 0 0 0,0 2 1 0 0,-17 42 5169 0 0,16-40-4349 0 0,-86 148 1034 0 0,88-153-2040 0 0,0 0 0 0 0,-1 1 0 0 0,1-1 0 0 0,0 0 0 0 0,0 1 0 0 0,0-1 0 0 0,0 1 0 0 0,0-1 0 0 0,0 0-1 0 0,0 1 1 0 0,0-1 0 0 0,0 0 0 0 0,0 1 0 0 0,0-1 0 0 0,0 1 0 0 0,0-1 0 0 0,0 0 0 0 0,0 1 0 0 0,0-1-1 0 0,0 0 1 0 0,0 1 0 0 0,0-1 0 0 0,0 1 0 0 0,1-1 0 0 0,-1 0 0 0 0,0 1 0 0 0,0-1 0 0 0,0 0 0 0 0,1 0-1 0 0,-1 1 1 0 0,0-1 0 0 0,0 0 0 0 0,1 1 0 0 0,-1-1 0 0 0,0 0 0 0 0,1 0 0 0 0,-1 0 0 0 0,0 1 0 0 0,1-1-1 0 0,20 2-2277 0 0,20-10-172 0 0,-26 0 2009 0 0,-11 7 314 0 0,-1 0-1 0 0,0 0 1 0 0,0-1-1 0 0,0 0 1 0 0,0 0 0 0 0,0 1-1 0 0,0-2 1 0 0,0 1-1 0 0,-1 0 1 0 0,1-1-1 0 0,-1 1 1 0 0,1-1-1 0 0,-1 1 1 0 0,0-1-1 0 0,0 0 1 0 0,0 0-1 0 0,1-4 1 0 0,-2 1 14 0 0</inkml:trace>
+</inkml:ink>
 </file>
 
 <file path=ppt/notesMasters/notesMaster1.xml><?xml version="1.0" encoding="utf-8"?>
@@ -4866,7 +5564,7 @@
             </a:pPr>
             <a:fld id="{00000000-1234-1234-1234-123412341234}" type="slidenum">
               <a:rPr lang="en"/>
-              <a:t>‹Nº›</a:t>
+              <a:t>‹#›</a:t>
             </a:fld>
             <a:endParaRPr/>
           </a:p>
@@ -5565,7 +6263,7 @@
             </a:pPr>
             <a:fld id="{00000000-1234-1234-1234-123412341234}" type="slidenum">
               <a:rPr lang="en"/>
-              <a:t>‹Nº›</a:t>
+              <a:t>‹#›</a:t>
             </a:fld>
             <a:endParaRPr/>
           </a:p>
@@ -5879,7 +6577,7 @@
             </a:pPr>
             <a:fld id="{00000000-1234-1234-1234-123412341234}" type="slidenum">
               <a:rPr lang="en"/>
-              <a:t>‹Nº›</a:t>
+              <a:t>‹#›</a:t>
             </a:fld>
             <a:endParaRPr/>
           </a:p>
@@ -7071,7 +7769,7 @@
             </a:pPr>
             <a:fld id="{00000000-1234-1234-1234-123412341234}" type="slidenum">
               <a:rPr lang="en"/>
-              <a:t>‹Nº›</a:t>
+              <a:t>‹#›</a:t>
             </a:fld>
             <a:endParaRPr/>
           </a:p>
@@ -7823,7 +8521,7 @@
             </a:pPr>
             <a:fld id="{00000000-1234-1234-1234-123412341234}" type="slidenum">
               <a:rPr lang="en"/>
-              <a:t>‹Nº›</a:t>
+              <a:t>‹#›</a:t>
             </a:fld>
             <a:endParaRPr/>
           </a:p>
@@ -8415,7 +9113,7 @@
             </a:pPr>
             <a:fld id="{00000000-1234-1234-1234-123412341234}" type="slidenum">
               <a:rPr lang="en"/>
-              <a:t>‹Nº›</a:t>
+              <a:t>‹#›</a:t>
             </a:fld>
             <a:endParaRPr/>
           </a:p>
@@ -8881,7 +9579,7 @@
             </a:pPr>
             <a:fld id="{00000000-1234-1234-1234-123412341234}" type="slidenum">
               <a:rPr lang="en"/>
-              <a:t>‹Nº›</a:t>
+              <a:t>‹#›</a:t>
             </a:fld>
             <a:endParaRPr/>
           </a:p>
@@ -9793,7 +10491,7 @@
             </a:pPr>
             <a:fld id="{00000000-1234-1234-1234-123412341234}" type="slidenum">
               <a:rPr lang="en"/>
-              <a:t>‹Nº›</a:t>
+              <a:t>‹#›</a:t>
             </a:fld>
             <a:endParaRPr/>
           </a:p>
@@ -10608,7 +11306,7 @@
             </a:pPr>
             <a:fld id="{00000000-1234-1234-1234-123412341234}" type="slidenum">
               <a:rPr lang="en"/>
-              <a:t>‹Nº›</a:t>
+              <a:t>‹#›</a:t>
             </a:fld>
             <a:endParaRPr/>
           </a:p>
@@ -11074,7 +11772,7 @@
             </a:pPr>
             <a:fld id="{00000000-1234-1234-1234-123412341234}" type="slidenum">
               <a:rPr lang="en"/>
-              <a:t>‹Nº›</a:t>
+              <a:t>‹#›</a:t>
             </a:fld>
             <a:endParaRPr/>
           </a:p>
@@ -12112,7 +12810,7 @@
             </a:pPr>
             <a:fld id="{00000000-1234-1234-1234-123412341234}" type="slidenum">
               <a:rPr lang="en"/>
-              <a:t>‹Nº›</a:t>
+              <a:t>‹#›</a:t>
             </a:fld>
             <a:endParaRPr/>
           </a:p>
@@ -12599,7 +13297,7 @@
             </a:pPr>
             <a:fld id="{00000000-1234-1234-1234-123412341234}" type="slidenum">
               <a:rPr lang="en"/>
-              <a:t>‹Nº›</a:t>
+              <a:t>‹#›</a:t>
             </a:fld>
             <a:endParaRPr/>
           </a:p>
@@ -13449,7 +14147,7 @@
             </a:pPr>
             <a:fld id="{00000000-1234-1234-1234-123412341234}" type="slidenum">
               <a:rPr lang="en"/>
-              <a:t>‹Nº›</a:t>
+              <a:t>‹#›</a:t>
             </a:fld>
             <a:endParaRPr/>
           </a:p>
@@ -18264,6 +18962,915 @@
           </a:p>
         </p:txBody>
       </p:sp>
+      <mc:AlternateContent xmlns:mc="http://schemas.openxmlformats.org/markup-compatibility/2006">
+        <mc:Choice xmlns:p14="http://schemas.microsoft.com/office/powerpoint/2010/main" Requires="p14">
+          <p:contentPart p14:bwMode="auto" r:id="rId3">
+            <p14:nvContentPartPr>
+              <p14:cNvPr id="2" name="Ink 1">
+                <a:extLst>
+                  <a:ext uri="{FF2B5EF4-FFF2-40B4-BE49-F238E27FC236}">
+                    <a16:creationId xmlns:a16="http://schemas.microsoft.com/office/drawing/2014/main" id="{4D9FA1D6-1835-33D9-16E7-3827158B3994}"/>
+                  </a:ext>
+                </a:extLst>
+              </p14:cNvPr>
+              <p14:cNvContentPartPr/>
+              <p14:nvPr/>
+            </p14:nvContentPartPr>
+            <p14:xfrm>
+              <a:off x="3620173" y="2794238"/>
+              <a:ext cx="1958400" cy="225360"/>
+            </p14:xfrm>
+          </p:contentPart>
+        </mc:Choice>
+        <mc:Fallback>
+          <p:pic>
+            <p:nvPicPr>
+              <p:cNvPr id="2" name="Ink 1">
+                <a:extLst>
+                  <a:ext uri="{FF2B5EF4-FFF2-40B4-BE49-F238E27FC236}">
+                    <a16:creationId xmlns:a16="http://schemas.microsoft.com/office/drawing/2014/main" id="{4D9FA1D6-1835-33D9-16E7-3827158B3994}"/>
+                  </a:ext>
+                </a:extLst>
+              </p:cNvPr>
+              <p:cNvPicPr/>
+              <p:nvPr/>
+            </p:nvPicPr>
+            <p:blipFill>
+              <a:blip r:embed="rId4"/>
+              <a:stretch>
+                <a:fillRect/>
+              </a:stretch>
+            </p:blipFill>
+            <p:spPr>
+              <a:xfrm>
+                <a:off x="3614053" y="2788118"/>
+                <a:ext cx="1970640" cy="237600"/>
+              </a:xfrm>
+              <a:prstGeom prst="rect">
+                <a:avLst/>
+              </a:prstGeom>
+            </p:spPr>
+          </p:pic>
+        </mc:Fallback>
+      </mc:AlternateContent>
+      <p:grpSp>
+        <p:nvGrpSpPr>
+          <p:cNvPr id="11" name="Group 10">
+            <a:extLst>
+              <a:ext uri="{FF2B5EF4-FFF2-40B4-BE49-F238E27FC236}">
+                <a16:creationId xmlns:a16="http://schemas.microsoft.com/office/drawing/2014/main" id="{9F848F3A-48F5-CCA6-BC6E-EB35599213CF}"/>
+              </a:ext>
+            </a:extLst>
+          </p:cNvPr>
+          <p:cNvGrpSpPr/>
+          <p:nvPr/>
+        </p:nvGrpSpPr>
+        <p:grpSpPr>
+          <a:xfrm>
+            <a:off x="214933" y="1247318"/>
+            <a:ext cx="1542600" cy="1697400"/>
+            <a:chOff x="214933" y="1247318"/>
+            <a:chExt cx="1542600" cy="1697400"/>
+          </a:xfrm>
+        </p:grpSpPr>
+        <mc:AlternateContent xmlns:mc="http://schemas.openxmlformats.org/markup-compatibility/2006">
+          <mc:Choice xmlns:p14="http://schemas.microsoft.com/office/powerpoint/2010/main" Requires="p14">
+            <p:contentPart p14:bwMode="auto" r:id="rId5">
+              <p14:nvContentPartPr>
+                <p14:cNvPr id="3" name="Ink 2">
+                  <a:extLst>
+                    <a:ext uri="{FF2B5EF4-FFF2-40B4-BE49-F238E27FC236}">
+                      <a16:creationId xmlns:a16="http://schemas.microsoft.com/office/drawing/2014/main" id="{BC72456B-2051-D521-A06E-4E41FE19FB31}"/>
+                    </a:ext>
+                  </a:extLst>
+                </p14:cNvPr>
+                <p14:cNvContentPartPr/>
+                <p14:nvPr/>
+              </p14:nvContentPartPr>
+              <p14:xfrm>
+                <a:off x="281893" y="1247318"/>
+                <a:ext cx="1475640" cy="1514160"/>
+              </p14:xfrm>
+            </p:contentPart>
+          </mc:Choice>
+          <mc:Fallback>
+            <p:pic>
+              <p:nvPicPr>
+                <p:cNvPr id="3" name="Ink 2">
+                  <a:extLst>
+                    <a:ext uri="{FF2B5EF4-FFF2-40B4-BE49-F238E27FC236}">
+                      <a16:creationId xmlns:a16="http://schemas.microsoft.com/office/drawing/2014/main" id="{BC72456B-2051-D521-A06E-4E41FE19FB31}"/>
+                    </a:ext>
+                  </a:extLst>
+                </p:cNvPr>
+                <p:cNvPicPr/>
+                <p:nvPr/>
+              </p:nvPicPr>
+              <p:blipFill>
+                <a:blip r:embed="rId6"/>
+                <a:stretch>
+                  <a:fillRect/>
+                </a:stretch>
+              </p:blipFill>
+              <p:spPr>
+                <a:xfrm>
+                  <a:off x="275773" y="1241198"/>
+                  <a:ext cx="1487880" cy="1526400"/>
+                </a:xfrm>
+                <a:prstGeom prst="rect">
+                  <a:avLst/>
+                </a:prstGeom>
+              </p:spPr>
+            </p:pic>
+          </mc:Fallback>
+        </mc:AlternateContent>
+        <mc:AlternateContent xmlns:mc="http://schemas.openxmlformats.org/markup-compatibility/2006">
+          <mc:Choice xmlns:p14="http://schemas.microsoft.com/office/powerpoint/2010/main" Requires="p14">
+            <p:contentPart p14:bwMode="auto" r:id="rId7">
+              <p14:nvContentPartPr>
+                <p14:cNvPr id="4" name="Ink 3">
+                  <a:extLst>
+                    <a:ext uri="{FF2B5EF4-FFF2-40B4-BE49-F238E27FC236}">
+                      <a16:creationId xmlns:a16="http://schemas.microsoft.com/office/drawing/2014/main" id="{BE06EFA0-1AAD-0834-6FDC-335D21B6B5BC}"/>
+                    </a:ext>
+                  </a:extLst>
+                </p14:cNvPr>
+                <p14:cNvContentPartPr/>
+                <p14:nvPr/>
+              </p14:nvContentPartPr>
+              <p14:xfrm>
+                <a:off x="284053" y="1563038"/>
+                <a:ext cx="44640" cy="109080"/>
+              </p14:xfrm>
+            </p:contentPart>
+          </mc:Choice>
+          <mc:Fallback>
+            <p:pic>
+              <p:nvPicPr>
+                <p:cNvPr id="4" name="Ink 3">
+                  <a:extLst>
+                    <a:ext uri="{FF2B5EF4-FFF2-40B4-BE49-F238E27FC236}">
+                      <a16:creationId xmlns:a16="http://schemas.microsoft.com/office/drawing/2014/main" id="{BE06EFA0-1AAD-0834-6FDC-335D21B6B5BC}"/>
+                    </a:ext>
+                  </a:extLst>
+                </p:cNvPr>
+                <p:cNvPicPr/>
+                <p:nvPr/>
+              </p:nvPicPr>
+              <p:blipFill>
+                <a:blip r:embed="rId8"/>
+                <a:stretch>
+                  <a:fillRect/>
+                </a:stretch>
+              </p:blipFill>
+              <p:spPr>
+                <a:xfrm>
+                  <a:off x="277933" y="1556918"/>
+                  <a:ext cx="56880" cy="121320"/>
+                </a:xfrm>
+                <a:prstGeom prst="rect">
+                  <a:avLst/>
+                </a:prstGeom>
+              </p:spPr>
+            </p:pic>
+          </mc:Fallback>
+        </mc:AlternateContent>
+        <mc:AlternateContent xmlns:mc="http://schemas.openxmlformats.org/markup-compatibility/2006">
+          <mc:Choice xmlns:p14="http://schemas.microsoft.com/office/powerpoint/2010/main" Requires="p14">
+            <p:contentPart p14:bwMode="auto" r:id="rId9">
+              <p14:nvContentPartPr>
+                <p14:cNvPr id="5" name="Ink 4">
+                  <a:extLst>
+                    <a:ext uri="{FF2B5EF4-FFF2-40B4-BE49-F238E27FC236}">
+                      <a16:creationId xmlns:a16="http://schemas.microsoft.com/office/drawing/2014/main" id="{E2EC51D4-2500-EF12-E9EA-C4A5CF151353}"/>
+                    </a:ext>
+                  </a:extLst>
+                </p14:cNvPr>
+                <p14:cNvContentPartPr/>
+                <p14:nvPr/>
+              </p14:nvContentPartPr>
+              <p14:xfrm>
+                <a:off x="234373" y="1780478"/>
+                <a:ext cx="45360" cy="135000"/>
+              </p14:xfrm>
+            </p:contentPart>
+          </mc:Choice>
+          <mc:Fallback>
+            <p:pic>
+              <p:nvPicPr>
+                <p:cNvPr id="5" name="Ink 4">
+                  <a:extLst>
+                    <a:ext uri="{FF2B5EF4-FFF2-40B4-BE49-F238E27FC236}">
+                      <a16:creationId xmlns:a16="http://schemas.microsoft.com/office/drawing/2014/main" id="{E2EC51D4-2500-EF12-E9EA-C4A5CF151353}"/>
+                    </a:ext>
+                  </a:extLst>
+                </p:cNvPr>
+                <p:cNvPicPr/>
+                <p:nvPr/>
+              </p:nvPicPr>
+              <p:blipFill>
+                <a:blip r:embed="rId10"/>
+                <a:stretch>
+                  <a:fillRect/>
+                </a:stretch>
+              </p:blipFill>
+              <p:spPr>
+                <a:xfrm>
+                  <a:off x="228253" y="1774358"/>
+                  <a:ext cx="57600" cy="147240"/>
+                </a:xfrm>
+                <a:prstGeom prst="rect">
+                  <a:avLst/>
+                </a:prstGeom>
+              </p:spPr>
+            </p:pic>
+          </mc:Fallback>
+        </mc:AlternateContent>
+        <mc:AlternateContent xmlns:mc="http://schemas.openxmlformats.org/markup-compatibility/2006">
+          <mc:Choice xmlns:p14="http://schemas.microsoft.com/office/powerpoint/2010/main" Requires="p14">
+            <p:contentPart p14:bwMode="auto" r:id="rId11">
+              <p14:nvContentPartPr>
+                <p14:cNvPr id="6" name="Ink 5">
+                  <a:extLst>
+                    <a:ext uri="{FF2B5EF4-FFF2-40B4-BE49-F238E27FC236}">
+                      <a16:creationId xmlns:a16="http://schemas.microsoft.com/office/drawing/2014/main" id="{981DD12F-FAD1-422C-7B8D-5A364A78EB13}"/>
+                    </a:ext>
+                  </a:extLst>
+                </p14:cNvPr>
+                <p14:cNvContentPartPr/>
+                <p14:nvPr/>
+              </p14:nvContentPartPr>
+              <p14:xfrm>
+                <a:off x="214933" y="2006918"/>
+                <a:ext cx="34560" cy="200160"/>
+              </p14:xfrm>
+            </p:contentPart>
+          </mc:Choice>
+          <mc:Fallback>
+            <p:pic>
+              <p:nvPicPr>
+                <p:cNvPr id="6" name="Ink 5">
+                  <a:extLst>
+                    <a:ext uri="{FF2B5EF4-FFF2-40B4-BE49-F238E27FC236}">
+                      <a16:creationId xmlns:a16="http://schemas.microsoft.com/office/drawing/2014/main" id="{981DD12F-FAD1-422C-7B8D-5A364A78EB13}"/>
+                    </a:ext>
+                  </a:extLst>
+                </p:cNvPr>
+                <p:cNvPicPr/>
+                <p:nvPr/>
+              </p:nvPicPr>
+              <p:blipFill>
+                <a:blip r:embed="rId12"/>
+                <a:stretch>
+                  <a:fillRect/>
+                </a:stretch>
+              </p:blipFill>
+              <p:spPr>
+                <a:xfrm>
+                  <a:off x="208813" y="2000798"/>
+                  <a:ext cx="46800" cy="212400"/>
+                </a:xfrm>
+                <a:prstGeom prst="rect">
+                  <a:avLst/>
+                </a:prstGeom>
+              </p:spPr>
+            </p:pic>
+          </mc:Fallback>
+        </mc:AlternateContent>
+        <mc:AlternateContent xmlns:mc="http://schemas.openxmlformats.org/markup-compatibility/2006">
+          <mc:Choice xmlns:p14="http://schemas.microsoft.com/office/powerpoint/2010/main" Requires="p14">
+            <p:contentPart p14:bwMode="auto" r:id="rId13">
+              <p14:nvContentPartPr>
+                <p14:cNvPr id="7" name="Ink 6">
+                  <a:extLst>
+                    <a:ext uri="{FF2B5EF4-FFF2-40B4-BE49-F238E27FC236}">
+                      <a16:creationId xmlns:a16="http://schemas.microsoft.com/office/drawing/2014/main" id="{E4F5640B-B450-5BF7-C2EA-C33207B7E2E1}"/>
+                    </a:ext>
+                  </a:extLst>
+                </p14:cNvPr>
+                <p14:cNvContentPartPr/>
+                <p14:nvPr/>
+              </p14:nvContentPartPr>
+              <p14:xfrm>
+                <a:off x="224653" y="2328038"/>
+                <a:ext cx="21960" cy="142920"/>
+              </p14:xfrm>
+            </p:contentPart>
+          </mc:Choice>
+          <mc:Fallback>
+            <p:pic>
+              <p:nvPicPr>
+                <p:cNvPr id="7" name="Ink 6">
+                  <a:extLst>
+                    <a:ext uri="{FF2B5EF4-FFF2-40B4-BE49-F238E27FC236}">
+                      <a16:creationId xmlns:a16="http://schemas.microsoft.com/office/drawing/2014/main" id="{E4F5640B-B450-5BF7-C2EA-C33207B7E2E1}"/>
+                    </a:ext>
+                  </a:extLst>
+                </p:cNvPr>
+                <p:cNvPicPr/>
+                <p:nvPr/>
+              </p:nvPicPr>
+              <p:blipFill>
+                <a:blip r:embed="rId14"/>
+                <a:stretch>
+                  <a:fillRect/>
+                </a:stretch>
+              </p:blipFill>
+              <p:spPr>
+                <a:xfrm>
+                  <a:off x="218533" y="2321918"/>
+                  <a:ext cx="34200" cy="155160"/>
+                </a:xfrm>
+                <a:prstGeom prst="rect">
+                  <a:avLst/>
+                </a:prstGeom>
+              </p:spPr>
+            </p:pic>
+          </mc:Fallback>
+        </mc:AlternateContent>
+        <mc:AlternateContent xmlns:mc="http://schemas.openxmlformats.org/markup-compatibility/2006">
+          <mc:Choice xmlns:p14="http://schemas.microsoft.com/office/powerpoint/2010/main" Requires="p14">
+            <p:contentPart p14:bwMode="auto" r:id="rId15">
+              <p14:nvContentPartPr>
+                <p14:cNvPr id="8" name="Ink 7">
+                  <a:extLst>
+                    <a:ext uri="{FF2B5EF4-FFF2-40B4-BE49-F238E27FC236}">
+                      <a16:creationId xmlns:a16="http://schemas.microsoft.com/office/drawing/2014/main" id="{DE1ED292-C0AE-89DC-8FB2-35F138F57625}"/>
+                    </a:ext>
+                  </a:extLst>
+                </p14:cNvPr>
+                <p14:cNvContentPartPr/>
+                <p14:nvPr/>
+              </p14:nvContentPartPr>
+              <p14:xfrm>
+                <a:off x="224653" y="2554478"/>
+                <a:ext cx="29520" cy="107640"/>
+              </p14:xfrm>
+            </p:contentPart>
+          </mc:Choice>
+          <mc:Fallback>
+            <p:pic>
+              <p:nvPicPr>
+                <p:cNvPr id="8" name="Ink 7">
+                  <a:extLst>
+                    <a:ext uri="{FF2B5EF4-FFF2-40B4-BE49-F238E27FC236}">
+                      <a16:creationId xmlns:a16="http://schemas.microsoft.com/office/drawing/2014/main" id="{DE1ED292-C0AE-89DC-8FB2-35F138F57625}"/>
+                    </a:ext>
+                  </a:extLst>
+                </p:cNvPr>
+                <p:cNvPicPr/>
+                <p:nvPr/>
+              </p:nvPicPr>
+              <p:blipFill>
+                <a:blip r:embed="rId16"/>
+                <a:stretch>
+                  <a:fillRect/>
+                </a:stretch>
+              </p:blipFill>
+              <p:spPr>
+                <a:xfrm>
+                  <a:off x="218533" y="2548358"/>
+                  <a:ext cx="41760" cy="119880"/>
+                </a:xfrm>
+                <a:prstGeom prst="rect">
+                  <a:avLst/>
+                </a:prstGeom>
+              </p:spPr>
+            </p:pic>
+          </mc:Fallback>
+        </mc:AlternateContent>
+        <mc:AlternateContent xmlns:mc="http://schemas.openxmlformats.org/markup-compatibility/2006">
+          <mc:Choice xmlns:p14="http://schemas.microsoft.com/office/powerpoint/2010/main" Requires="p14">
+            <p:contentPart p14:bwMode="auto" r:id="rId17">
+              <p14:nvContentPartPr>
+                <p14:cNvPr id="9" name="Ink 8">
+                  <a:extLst>
+                    <a:ext uri="{FF2B5EF4-FFF2-40B4-BE49-F238E27FC236}">
+                      <a16:creationId xmlns:a16="http://schemas.microsoft.com/office/drawing/2014/main" id="{889C69DD-0C29-3F0D-9577-298E06A2C258}"/>
+                    </a:ext>
+                  </a:extLst>
+                </p14:cNvPr>
+                <p14:cNvContentPartPr/>
+                <p14:nvPr/>
+              </p14:nvContentPartPr>
+              <p14:xfrm>
+                <a:off x="241213" y="2718278"/>
+                <a:ext cx="39600" cy="135720"/>
+              </p14:xfrm>
+            </p:contentPart>
+          </mc:Choice>
+          <mc:Fallback>
+            <p:pic>
+              <p:nvPicPr>
+                <p:cNvPr id="9" name="Ink 8">
+                  <a:extLst>
+                    <a:ext uri="{FF2B5EF4-FFF2-40B4-BE49-F238E27FC236}">
+                      <a16:creationId xmlns:a16="http://schemas.microsoft.com/office/drawing/2014/main" id="{889C69DD-0C29-3F0D-9577-298E06A2C258}"/>
+                    </a:ext>
+                  </a:extLst>
+                </p:cNvPr>
+                <p:cNvPicPr/>
+                <p:nvPr/>
+              </p:nvPicPr>
+              <p:blipFill>
+                <a:blip r:embed="rId18"/>
+                <a:stretch>
+                  <a:fillRect/>
+                </a:stretch>
+              </p:blipFill>
+              <p:spPr>
+                <a:xfrm>
+                  <a:off x="235093" y="2712158"/>
+                  <a:ext cx="51840" cy="147960"/>
+                </a:xfrm>
+                <a:prstGeom prst="rect">
+                  <a:avLst/>
+                </a:prstGeom>
+              </p:spPr>
+            </p:pic>
+          </mc:Fallback>
+        </mc:AlternateContent>
+        <mc:AlternateContent xmlns:mc="http://schemas.openxmlformats.org/markup-compatibility/2006">
+          <mc:Choice xmlns:p14="http://schemas.microsoft.com/office/powerpoint/2010/main" Requires="p14">
+            <p:contentPart p14:bwMode="auto" r:id="rId19">
+              <p14:nvContentPartPr>
+                <p14:cNvPr id="10" name="Ink 9">
+                  <a:extLst>
+                    <a:ext uri="{FF2B5EF4-FFF2-40B4-BE49-F238E27FC236}">
+                      <a16:creationId xmlns:a16="http://schemas.microsoft.com/office/drawing/2014/main" id="{343AF7B7-3880-887E-E397-36893BC14E22}"/>
+                    </a:ext>
+                  </a:extLst>
+                </p14:cNvPr>
+                <p14:cNvContentPartPr/>
+                <p14:nvPr/>
+              </p14:nvContentPartPr>
+              <p14:xfrm>
+                <a:off x="247333" y="2852918"/>
+                <a:ext cx="48240" cy="91800"/>
+              </p14:xfrm>
+            </p:contentPart>
+          </mc:Choice>
+          <mc:Fallback>
+            <p:pic>
+              <p:nvPicPr>
+                <p:cNvPr id="10" name="Ink 9">
+                  <a:extLst>
+                    <a:ext uri="{FF2B5EF4-FFF2-40B4-BE49-F238E27FC236}">
+                      <a16:creationId xmlns:a16="http://schemas.microsoft.com/office/drawing/2014/main" id="{343AF7B7-3880-887E-E397-36893BC14E22}"/>
+                    </a:ext>
+                  </a:extLst>
+                </p:cNvPr>
+                <p:cNvPicPr/>
+                <p:nvPr/>
+              </p:nvPicPr>
+              <p:blipFill>
+                <a:blip r:embed="rId20"/>
+                <a:stretch>
+                  <a:fillRect/>
+                </a:stretch>
+              </p:blipFill>
+              <p:spPr>
+                <a:xfrm>
+                  <a:off x="241213" y="2846798"/>
+                  <a:ext cx="60480" cy="104040"/>
+                </a:xfrm>
+                <a:prstGeom prst="rect">
+                  <a:avLst/>
+                </a:prstGeom>
+              </p:spPr>
+            </p:pic>
+          </mc:Fallback>
+        </mc:AlternateContent>
+      </p:grpSp>
+      <p:grpSp>
+        <p:nvGrpSpPr>
+          <p:cNvPr id="21" name="Group 20">
+            <a:extLst>
+              <a:ext uri="{FF2B5EF4-FFF2-40B4-BE49-F238E27FC236}">
+                <a16:creationId xmlns:a16="http://schemas.microsoft.com/office/drawing/2014/main" id="{093613DD-4AFD-D80A-9313-667DE20AC2C8}"/>
+              </a:ext>
+            </a:extLst>
+          </p:cNvPr>
+          <p:cNvGrpSpPr/>
+          <p:nvPr/>
+        </p:nvGrpSpPr>
+        <p:grpSpPr>
+          <a:xfrm>
+            <a:off x="3637093" y="2790278"/>
+            <a:ext cx="1833480" cy="280800"/>
+            <a:chOff x="3637093" y="2790278"/>
+            <a:chExt cx="1833480" cy="280800"/>
+          </a:xfrm>
+        </p:grpSpPr>
+        <mc:AlternateContent xmlns:mc="http://schemas.openxmlformats.org/markup-compatibility/2006">
+          <mc:Choice xmlns:p14="http://schemas.microsoft.com/office/powerpoint/2010/main" Requires="p14">
+            <p:contentPart p14:bwMode="auto" r:id="rId21">
+              <p14:nvContentPartPr>
+                <p14:cNvPr id="12" name="Ink 11">
+                  <a:extLst>
+                    <a:ext uri="{FF2B5EF4-FFF2-40B4-BE49-F238E27FC236}">
+                      <a16:creationId xmlns:a16="http://schemas.microsoft.com/office/drawing/2014/main" id="{69D8163F-1867-AF97-979C-E8F99AB9356E}"/>
+                    </a:ext>
+                  </a:extLst>
+                </p14:cNvPr>
+                <p14:cNvContentPartPr/>
+                <p14:nvPr/>
+              </p14:nvContentPartPr>
+              <p14:xfrm>
+                <a:off x="3637093" y="2837438"/>
+                <a:ext cx="41040" cy="191520"/>
+              </p14:xfrm>
+            </p:contentPart>
+          </mc:Choice>
+          <mc:Fallback>
+            <p:pic>
+              <p:nvPicPr>
+                <p:cNvPr id="12" name="Ink 11">
+                  <a:extLst>
+                    <a:ext uri="{FF2B5EF4-FFF2-40B4-BE49-F238E27FC236}">
+                      <a16:creationId xmlns:a16="http://schemas.microsoft.com/office/drawing/2014/main" id="{69D8163F-1867-AF97-979C-E8F99AB9356E}"/>
+                    </a:ext>
+                  </a:extLst>
+                </p:cNvPr>
+                <p:cNvPicPr/>
+                <p:nvPr/>
+              </p:nvPicPr>
+              <p:blipFill>
+                <a:blip r:embed="rId22"/>
+                <a:stretch>
+                  <a:fillRect/>
+                </a:stretch>
+              </p:blipFill>
+              <p:spPr>
+                <a:xfrm>
+                  <a:off x="3630973" y="2831318"/>
+                  <a:ext cx="53280" cy="203760"/>
+                </a:xfrm>
+                <a:prstGeom prst="rect">
+                  <a:avLst/>
+                </a:prstGeom>
+              </p:spPr>
+            </p:pic>
+          </mc:Fallback>
+        </mc:AlternateContent>
+        <mc:AlternateContent xmlns:mc="http://schemas.openxmlformats.org/markup-compatibility/2006">
+          <mc:Choice xmlns:p14="http://schemas.microsoft.com/office/powerpoint/2010/main" Requires="p14">
+            <p:contentPart p14:bwMode="auto" r:id="rId23">
+              <p14:nvContentPartPr>
+                <p14:cNvPr id="13" name="Ink 12">
+                  <a:extLst>
+                    <a:ext uri="{FF2B5EF4-FFF2-40B4-BE49-F238E27FC236}">
+                      <a16:creationId xmlns:a16="http://schemas.microsoft.com/office/drawing/2014/main" id="{106369E5-C291-D0A6-7B93-F3FCBF68CF62}"/>
+                    </a:ext>
+                  </a:extLst>
+                </p14:cNvPr>
+                <p14:cNvContentPartPr/>
+                <p14:nvPr/>
+              </p14:nvContentPartPr>
+              <p14:xfrm>
+                <a:off x="3900253" y="2898998"/>
+                <a:ext cx="55080" cy="124200"/>
+              </p14:xfrm>
+            </p:contentPart>
+          </mc:Choice>
+          <mc:Fallback>
+            <p:pic>
+              <p:nvPicPr>
+                <p:cNvPr id="13" name="Ink 12">
+                  <a:extLst>
+                    <a:ext uri="{FF2B5EF4-FFF2-40B4-BE49-F238E27FC236}">
+                      <a16:creationId xmlns:a16="http://schemas.microsoft.com/office/drawing/2014/main" id="{106369E5-C291-D0A6-7B93-F3FCBF68CF62}"/>
+                    </a:ext>
+                  </a:extLst>
+                </p:cNvPr>
+                <p:cNvPicPr/>
+                <p:nvPr/>
+              </p:nvPicPr>
+              <p:blipFill>
+                <a:blip r:embed="rId24"/>
+                <a:stretch>
+                  <a:fillRect/>
+                </a:stretch>
+              </p:blipFill>
+              <p:spPr>
+                <a:xfrm>
+                  <a:off x="3894133" y="2892878"/>
+                  <a:ext cx="67320" cy="136440"/>
+                </a:xfrm>
+                <a:prstGeom prst="rect">
+                  <a:avLst/>
+                </a:prstGeom>
+              </p:spPr>
+            </p:pic>
+          </mc:Fallback>
+        </mc:AlternateContent>
+        <mc:AlternateContent xmlns:mc="http://schemas.openxmlformats.org/markup-compatibility/2006">
+          <mc:Choice xmlns:p14="http://schemas.microsoft.com/office/powerpoint/2010/main" Requires="p14">
+            <p:contentPart p14:bwMode="auto" r:id="rId25">
+              <p14:nvContentPartPr>
+                <p14:cNvPr id="14" name="Ink 13">
+                  <a:extLst>
+                    <a:ext uri="{FF2B5EF4-FFF2-40B4-BE49-F238E27FC236}">
+                      <a16:creationId xmlns:a16="http://schemas.microsoft.com/office/drawing/2014/main" id="{7BD8A32C-24AD-753E-ED11-FD76BA20D5AF}"/>
+                    </a:ext>
+                  </a:extLst>
+                </p14:cNvPr>
+                <p14:cNvContentPartPr/>
+                <p14:nvPr/>
+              </p14:nvContentPartPr>
+              <p14:xfrm>
+                <a:off x="4199413" y="2829878"/>
+                <a:ext cx="69120" cy="153360"/>
+              </p14:xfrm>
+            </p:contentPart>
+          </mc:Choice>
+          <mc:Fallback>
+            <p:pic>
+              <p:nvPicPr>
+                <p:cNvPr id="14" name="Ink 13">
+                  <a:extLst>
+                    <a:ext uri="{FF2B5EF4-FFF2-40B4-BE49-F238E27FC236}">
+                      <a16:creationId xmlns:a16="http://schemas.microsoft.com/office/drawing/2014/main" id="{7BD8A32C-24AD-753E-ED11-FD76BA20D5AF}"/>
+                    </a:ext>
+                  </a:extLst>
+                </p:cNvPr>
+                <p:cNvPicPr/>
+                <p:nvPr/>
+              </p:nvPicPr>
+              <p:blipFill>
+                <a:blip r:embed="rId26"/>
+                <a:stretch>
+                  <a:fillRect/>
+                </a:stretch>
+              </p:blipFill>
+              <p:spPr>
+                <a:xfrm>
+                  <a:off x="4193293" y="2823758"/>
+                  <a:ext cx="81360" cy="165600"/>
+                </a:xfrm>
+                <a:prstGeom prst="rect">
+                  <a:avLst/>
+                </a:prstGeom>
+              </p:spPr>
+            </p:pic>
+          </mc:Fallback>
+        </mc:AlternateContent>
+        <mc:AlternateContent xmlns:mc="http://schemas.openxmlformats.org/markup-compatibility/2006">
+          <mc:Choice xmlns:p14="http://schemas.microsoft.com/office/powerpoint/2010/main" Requires="p14">
+            <p:contentPart p14:bwMode="auto" r:id="rId27">
+              <p14:nvContentPartPr>
+                <p14:cNvPr id="15" name="Ink 14">
+                  <a:extLst>
+                    <a:ext uri="{FF2B5EF4-FFF2-40B4-BE49-F238E27FC236}">
+                      <a16:creationId xmlns:a16="http://schemas.microsoft.com/office/drawing/2014/main" id="{74CC715D-8AB5-858E-5BCE-7203DE58DE4D}"/>
+                    </a:ext>
+                  </a:extLst>
+                </p14:cNvPr>
+                <p14:cNvContentPartPr/>
+                <p14:nvPr/>
+              </p14:nvContentPartPr>
+              <p14:xfrm>
+                <a:off x="4505053" y="2812238"/>
+                <a:ext cx="75960" cy="184320"/>
+              </p14:xfrm>
+            </p:contentPart>
+          </mc:Choice>
+          <mc:Fallback>
+            <p:pic>
+              <p:nvPicPr>
+                <p:cNvPr id="15" name="Ink 14">
+                  <a:extLst>
+                    <a:ext uri="{FF2B5EF4-FFF2-40B4-BE49-F238E27FC236}">
+                      <a16:creationId xmlns:a16="http://schemas.microsoft.com/office/drawing/2014/main" id="{74CC715D-8AB5-858E-5BCE-7203DE58DE4D}"/>
+                    </a:ext>
+                  </a:extLst>
+                </p:cNvPr>
+                <p:cNvPicPr/>
+                <p:nvPr/>
+              </p:nvPicPr>
+              <p:blipFill>
+                <a:blip r:embed="rId28"/>
+                <a:stretch>
+                  <a:fillRect/>
+                </a:stretch>
+              </p:blipFill>
+              <p:spPr>
+                <a:xfrm>
+                  <a:off x="4498933" y="2806118"/>
+                  <a:ext cx="88200" cy="196560"/>
+                </a:xfrm>
+                <a:prstGeom prst="rect">
+                  <a:avLst/>
+                </a:prstGeom>
+              </p:spPr>
+            </p:pic>
+          </mc:Fallback>
+        </mc:AlternateContent>
+        <mc:AlternateContent xmlns:mc="http://schemas.openxmlformats.org/markup-compatibility/2006">
+          <mc:Choice xmlns:p14="http://schemas.microsoft.com/office/powerpoint/2010/main" Requires="p14">
+            <p:contentPart p14:bwMode="auto" r:id="rId29">
+              <p14:nvContentPartPr>
+                <p14:cNvPr id="16" name="Ink 15">
+                  <a:extLst>
+                    <a:ext uri="{FF2B5EF4-FFF2-40B4-BE49-F238E27FC236}">
+                      <a16:creationId xmlns:a16="http://schemas.microsoft.com/office/drawing/2014/main" id="{659AE97B-AA6F-1C85-ED78-5C18361C8888}"/>
+                    </a:ext>
+                  </a:extLst>
+                </p14:cNvPr>
+                <p14:cNvContentPartPr/>
+                <p14:nvPr/>
+              </p14:nvContentPartPr>
+              <p14:xfrm>
+                <a:off x="4804933" y="2796398"/>
+                <a:ext cx="92880" cy="154080"/>
+              </p14:xfrm>
+            </p:contentPart>
+          </mc:Choice>
+          <mc:Fallback>
+            <p:pic>
+              <p:nvPicPr>
+                <p:cNvPr id="16" name="Ink 15">
+                  <a:extLst>
+                    <a:ext uri="{FF2B5EF4-FFF2-40B4-BE49-F238E27FC236}">
+                      <a16:creationId xmlns:a16="http://schemas.microsoft.com/office/drawing/2014/main" id="{659AE97B-AA6F-1C85-ED78-5C18361C8888}"/>
+                    </a:ext>
+                  </a:extLst>
+                </p:cNvPr>
+                <p:cNvPicPr/>
+                <p:nvPr/>
+              </p:nvPicPr>
+              <p:blipFill>
+                <a:blip r:embed="rId30"/>
+                <a:stretch>
+                  <a:fillRect/>
+                </a:stretch>
+              </p:blipFill>
+              <p:spPr>
+                <a:xfrm>
+                  <a:off x="4798813" y="2790278"/>
+                  <a:ext cx="105120" cy="166320"/>
+                </a:xfrm>
+                <a:prstGeom prst="rect">
+                  <a:avLst/>
+                </a:prstGeom>
+              </p:spPr>
+            </p:pic>
+          </mc:Fallback>
+        </mc:AlternateContent>
+        <mc:AlternateContent xmlns:mc="http://schemas.openxmlformats.org/markup-compatibility/2006">
+          <mc:Choice xmlns:p14="http://schemas.microsoft.com/office/powerpoint/2010/main" Requires="p14">
+            <p:contentPart p14:bwMode="auto" r:id="rId31">
+              <p14:nvContentPartPr>
+                <p14:cNvPr id="17" name="Ink 16">
+                  <a:extLst>
+                    <a:ext uri="{FF2B5EF4-FFF2-40B4-BE49-F238E27FC236}">
+                      <a16:creationId xmlns:a16="http://schemas.microsoft.com/office/drawing/2014/main" id="{F4B00B80-5E0C-29EA-DB0E-F152B04FC0E5}"/>
+                    </a:ext>
+                  </a:extLst>
+                </p14:cNvPr>
+                <p14:cNvContentPartPr/>
+                <p14:nvPr/>
+              </p14:nvContentPartPr>
+              <p14:xfrm>
+                <a:off x="5095453" y="2790278"/>
+                <a:ext cx="58680" cy="171720"/>
+              </p14:xfrm>
+            </p:contentPart>
+          </mc:Choice>
+          <mc:Fallback>
+            <p:pic>
+              <p:nvPicPr>
+                <p:cNvPr id="17" name="Ink 16">
+                  <a:extLst>
+                    <a:ext uri="{FF2B5EF4-FFF2-40B4-BE49-F238E27FC236}">
+                      <a16:creationId xmlns:a16="http://schemas.microsoft.com/office/drawing/2014/main" id="{F4B00B80-5E0C-29EA-DB0E-F152B04FC0E5}"/>
+                    </a:ext>
+                  </a:extLst>
+                </p:cNvPr>
+                <p:cNvPicPr/>
+                <p:nvPr/>
+              </p:nvPicPr>
+              <p:blipFill>
+                <a:blip r:embed="rId32"/>
+                <a:stretch>
+                  <a:fillRect/>
+                </a:stretch>
+              </p:blipFill>
+              <p:spPr>
+                <a:xfrm>
+                  <a:off x="5089333" y="2784158"/>
+                  <a:ext cx="70920" cy="183960"/>
+                </a:xfrm>
+                <a:prstGeom prst="rect">
+                  <a:avLst/>
+                </a:prstGeom>
+              </p:spPr>
+            </p:pic>
+          </mc:Fallback>
+        </mc:AlternateContent>
+        <mc:AlternateContent xmlns:mc="http://schemas.openxmlformats.org/markup-compatibility/2006">
+          <mc:Choice xmlns:p14="http://schemas.microsoft.com/office/powerpoint/2010/main" Requires="p14">
+            <p:contentPart p14:bwMode="auto" r:id="rId33">
+              <p14:nvContentPartPr>
+                <p14:cNvPr id="18" name="Ink 17">
+                  <a:extLst>
+                    <a:ext uri="{FF2B5EF4-FFF2-40B4-BE49-F238E27FC236}">
+                      <a16:creationId xmlns:a16="http://schemas.microsoft.com/office/drawing/2014/main" id="{A6B49830-5580-A509-52D3-C028A0725562}"/>
+                    </a:ext>
+                  </a:extLst>
+                </p14:cNvPr>
+                <p14:cNvContentPartPr/>
+                <p14:nvPr/>
+              </p14:nvContentPartPr>
+              <p14:xfrm>
+                <a:off x="5319013" y="2841398"/>
+                <a:ext cx="104040" cy="229680"/>
+              </p14:xfrm>
+            </p:contentPart>
+          </mc:Choice>
+          <mc:Fallback>
+            <p:pic>
+              <p:nvPicPr>
+                <p:cNvPr id="18" name="Ink 17">
+                  <a:extLst>
+                    <a:ext uri="{FF2B5EF4-FFF2-40B4-BE49-F238E27FC236}">
+                      <a16:creationId xmlns:a16="http://schemas.microsoft.com/office/drawing/2014/main" id="{A6B49830-5580-A509-52D3-C028A0725562}"/>
+                    </a:ext>
+                  </a:extLst>
+                </p:cNvPr>
+                <p:cNvPicPr/>
+                <p:nvPr/>
+              </p:nvPicPr>
+              <p:blipFill>
+                <a:blip r:embed="rId34"/>
+                <a:stretch>
+                  <a:fillRect/>
+                </a:stretch>
+              </p:blipFill>
+              <p:spPr>
+                <a:xfrm>
+                  <a:off x="5312893" y="2835278"/>
+                  <a:ext cx="116280" cy="241920"/>
+                </a:xfrm>
+                <a:prstGeom prst="rect">
+                  <a:avLst/>
+                </a:prstGeom>
+              </p:spPr>
+            </p:pic>
+          </mc:Fallback>
+        </mc:AlternateContent>
+        <mc:AlternateContent xmlns:mc="http://schemas.openxmlformats.org/markup-compatibility/2006">
+          <mc:Choice xmlns:p14="http://schemas.microsoft.com/office/powerpoint/2010/main" Requires="p14">
+            <p:contentPart p14:bwMode="auto" r:id="rId35">
+              <p14:nvContentPartPr>
+                <p14:cNvPr id="20" name="Ink 19">
+                  <a:extLst>
+                    <a:ext uri="{FF2B5EF4-FFF2-40B4-BE49-F238E27FC236}">
+                      <a16:creationId xmlns:a16="http://schemas.microsoft.com/office/drawing/2014/main" id="{A9E4511E-9A1B-CE02-D5AE-24AE6626BED3}"/>
+                    </a:ext>
+                  </a:extLst>
+                </p14:cNvPr>
+                <p14:cNvContentPartPr/>
+                <p14:nvPr/>
+              </p14:nvContentPartPr>
+              <p14:xfrm>
+                <a:off x="5407213" y="2829878"/>
+                <a:ext cx="63360" cy="162000"/>
+              </p14:xfrm>
+            </p:contentPart>
+          </mc:Choice>
+          <mc:Fallback>
+            <p:pic>
+              <p:nvPicPr>
+                <p:cNvPr id="20" name="Ink 19">
+                  <a:extLst>
+                    <a:ext uri="{FF2B5EF4-FFF2-40B4-BE49-F238E27FC236}">
+                      <a16:creationId xmlns:a16="http://schemas.microsoft.com/office/drawing/2014/main" id="{A9E4511E-9A1B-CE02-D5AE-24AE6626BED3}"/>
+                    </a:ext>
+                  </a:extLst>
+                </p:cNvPr>
+                <p:cNvPicPr/>
+                <p:nvPr/>
+              </p:nvPicPr>
+              <p:blipFill>
+                <a:blip r:embed="rId36"/>
+                <a:stretch>
+                  <a:fillRect/>
+                </a:stretch>
+              </p:blipFill>
+              <p:spPr>
+                <a:xfrm>
+                  <a:off x="5401093" y="2823758"/>
+                  <a:ext cx="75600" cy="174240"/>
+                </a:xfrm>
+                <a:prstGeom prst="rect">
+                  <a:avLst/>
+                </a:prstGeom>
+              </p:spPr>
+            </p:pic>
+          </mc:Fallback>
+        </mc:AlternateContent>
+      </p:grpSp>
     </p:spTree>
   </p:cSld>
   <p:clrMapOvr>
@@ -22350,6 +23957,210 @@
           </a:ln>
         </p:spPr>
       </p:pic>
+      <mc:AlternateContent xmlns:mc="http://schemas.openxmlformats.org/markup-compatibility/2006">
+        <mc:Choice xmlns:p14="http://schemas.microsoft.com/office/powerpoint/2010/main" Requires="p14">
+          <p:contentPart p14:bwMode="auto" r:id="rId4">
+            <p14:nvContentPartPr>
+              <p14:cNvPr id="2" name="Ink 1">
+                <a:extLst>
+                  <a:ext uri="{FF2B5EF4-FFF2-40B4-BE49-F238E27FC236}">
+                    <a16:creationId xmlns:a16="http://schemas.microsoft.com/office/drawing/2014/main" id="{61BEB62F-8CEC-9ABA-505E-4C8F9A4664D6}"/>
+                  </a:ext>
+                </a:extLst>
+              </p14:cNvPr>
+              <p14:cNvContentPartPr/>
+              <p14:nvPr/>
+            </p14:nvContentPartPr>
+            <p14:xfrm>
+              <a:off x="1412293" y="1331198"/>
+              <a:ext cx="204840" cy="1347480"/>
+            </p14:xfrm>
+          </p:contentPart>
+        </mc:Choice>
+        <mc:Fallback>
+          <p:pic>
+            <p:nvPicPr>
+              <p:cNvPr id="2" name="Ink 1">
+                <a:extLst>
+                  <a:ext uri="{FF2B5EF4-FFF2-40B4-BE49-F238E27FC236}">
+                    <a16:creationId xmlns:a16="http://schemas.microsoft.com/office/drawing/2014/main" id="{61BEB62F-8CEC-9ABA-505E-4C8F9A4664D6}"/>
+                  </a:ext>
+                </a:extLst>
+              </p:cNvPr>
+              <p:cNvPicPr/>
+              <p:nvPr/>
+            </p:nvPicPr>
+            <p:blipFill>
+              <a:blip r:embed="rId5"/>
+              <a:stretch>
+                <a:fillRect/>
+              </a:stretch>
+            </p:blipFill>
+            <p:spPr>
+              <a:xfrm>
+                <a:off x="1406173" y="1325078"/>
+                <a:ext cx="217080" cy="1359720"/>
+              </a:xfrm>
+              <a:prstGeom prst="rect">
+                <a:avLst/>
+              </a:prstGeom>
+            </p:spPr>
+          </p:pic>
+        </mc:Fallback>
+      </mc:AlternateContent>
+      <mc:AlternateContent xmlns:mc="http://schemas.openxmlformats.org/markup-compatibility/2006">
+        <mc:Choice xmlns:p14="http://schemas.microsoft.com/office/powerpoint/2010/main" Requires="p14">
+          <p:contentPart p14:bwMode="auto" r:id="rId6">
+            <p14:nvContentPartPr>
+              <p14:cNvPr id="3" name="Ink 2">
+                <a:extLst>
+                  <a:ext uri="{FF2B5EF4-FFF2-40B4-BE49-F238E27FC236}">
+                    <a16:creationId xmlns:a16="http://schemas.microsoft.com/office/drawing/2014/main" id="{DB186C97-1C67-BBB1-E855-37DAB8A23615}"/>
+                  </a:ext>
+                </a:extLst>
+              </p14:cNvPr>
+              <p14:cNvContentPartPr/>
+              <p14:nvPr/>
+            </p14:nvContentPartPr>
+            <p14:xfrm>
+              <a:off x="1513813" y="3432518"/>
+              <a:ext cx="178200" cy="1082160"/>
+            </p14:xfrm>
+          </p:contentPart>
+        </mc:Choice>
+        <mc:Fallback>
+          <p:pic>
+            <p:nvPicPr>
+              <p:cNvPr id="3" name="Ink 2">
+                <a:extLst>
+                  <a:ext uri="{FF2B5EF4-FFF2-40B4-BE49-F238E27FC236}">
+                    <a16:creationId xmlns:a16="http://schemas.microsoft.com/office/drawing/2014/main" id="{DB186C97-1C67-BBB1-E855-37DAB8A23615}"/>
+                  </a:ext>
+                </a:extLst>
+              </p:cNvPr>
+              <p:cNvPicPr/>
+              <p:nvPr/>
+            </p:nvPicPr>
+            <p:blipFill>
+              <a:blip r:embed="rId7"/>
+              <a:stretch>
+                <a:fillRect/>
+              </a:stretch>
+            </p:blipFill>
+            <p:spPr>
+              <a:xfrm>
+                <a:off x="1507693" y="3426398"/>
+                <a:ext cx="190440" cy="1094400"/>
+              </a:xfrm>
+              <a:prstGeom prst="rect">
+                <a:avLst/>
+              </a:prstGeom>
+            </p:spPr>
+          </p:pic>
+        </mc:Fallback>
+      </mc:AlternateContent>
+      <mc:AlternateContent xmlns:mc="http://schemas.openxmlformats.org/markup-compatibility/2006">
+        <mc:Choice xmlns:p14="http://schemas.microsoft.com/office/powerpoint/2010/main" Requires="p14">
+          <p:contentPart p14:bwMode="auto" r:id="rId8">
+            <p14:nvContentPartPr>
+              <p14:cNvPr id="4" name="Ink 3">
+                <a:extLst>
+                  <a:ext uri="{FF2B5EF4-FFF2-40B4-BE49-F238E27FC236}">
+                    <a16:creationId xmlns:a16="http://schemas.microsoft.com/office/drawing/2014/main" id="{6D57C7DB-EFB1-88F9-0EF2-A9980A5BF594}"/>
+                  </a:ext>
+                </a:extLst>
+              </p14:cNvPr>
+              <p14:cNvContentPartPr/>
+              <p14:nvPr/>
+            </p14:nvContentPartPr>
+            <p14:xfrm>
+              <a:off x="7351213" y="1795598"/>
+              <a:ext cx="188640" cy="901080"/>
+            </p14:xfrm>
+          </p:contentPart>
+        </mc:Choice>
+        <mc:Fallback>
+          <p:pic>
+            <p:nvPicPr>
+              <p:cNvPr id="4" name="Ink 3">
+                <a:extLst>
+                  <a:ext uri="{FF2B5EF4-FFF2-40B4-BE49-F238E27FC236}">
+                    <a16:creationId xmlns:a16="http://schemas.microsoft.com/office/drawing/2014/main" id="{6D57C7DB-EFB1-88F9-0EF2-A9980A5BF594}"/>
+                  </a:ext>
+                </a:extLst>
+              </p:cNvPr>
+              <p:cNvPicPr/>
+              <p:nvPr/>
+            </p:nvPicPr>
+            <p:blipFill>
+              <a:blip r:embed="rId9"/>
+              <a:stretch>
+                <a:fillRect/>
+              </a:stretch>
+            </p:blipFill>
+            <p:spPr>
+              <a:xfrm>
+                <a:off x="7345093" y="1789478"/>
+                <a:ext cx="200880" cy="913320"/>
+              </a:xfrm>
+              <a:prstGeom prst="rect">
+                <a:avLst/>
+              </a:prstGeom>
+            </p:spPr>
+          </p:pic>
+        </mc:Fallback>
+      </mc:AlternateContent>
+      <mc:AlternateContent xmlns:mc="http://schemas.openxmlformats.org/markup-compatibility/2006">
+        <mc:Choice xmlns:p14="http://schemas.microsoft.com/office/powerpoint/2010/main" Requires="p14">
+          <p:contentPart p14:bwMode="auto" r:id="rId10">
+            <p14:nvContentPartPr>
+              <p14:cNvPr id="5" name="Ink 4">
+                <a:extLst>
+                  <a:ext uri="{FF2B5EF4-FFF2-40B4-BE49-F238E27FC236}">
+                    <a16:creationId xmlns:a16="http://schemas.microsoft.com/office/drawing/2014/main" id="{33F455F8-6173-F745-4E1C-4015D681A74E}"/>
+                  </a:ext>
+                </a:extLst>
+              </p14:cNvPr>
+              <p14:cNvContentPartPr/>
+              <p14:nvPr/>
+            </p14:nvContentPartPr>
+            <p14:xfrm>
+              <a:off x="7471813" y="3501278"/>
+              <a:ext cx="212400" cy="901440"/>
+            </p14:xfrm>
+          </p:contentPart>
+        </mc:Choice>
+        <mc:Fallback>
+          <p:pic>
+            <p:nvPicPr>
+              <p:cNvPr id="5" name="Ink 4">
+                <a:extLst>
+                  <a:ext uri="{FF2B5EF4-FFF2-40B4-BE49-F238E27FC236}">
+                    <a16:creationId xmlns:a16="http://schemas.microsoft.com/office/drawing/2014/main" id="{33F455F8-6173-F745-4E1C-4015D681A74E}"/>
+                  </a:ext>
+                </a:extLst>
+              </p:cNvPr>
+              <p:cNvPicPr/>
+              <p:nvPr/>
+            </p:nvPicPr>
+            <p:blipFill>
+              <a:blip r:embed="rId11"/>
+              <a:stretch>
+                <a:fillRect/>
+              </a:stretch>
+            </p:blipFill>
+            <p:spPr>
+              <a:xfrm>
+                <a:off x="7465693" y="3495158"/>
+                <a:ext cx="224640" cy="913680"/>
+              </a:xfrm>
+              <a:prstGeom prst="rect">
+                <a:avLst/>
+              </a:prstGeom>
+            </p:spPr>
+          </p:pic>
+        </mc:Fallback>
+      </mc:AlternateContent>
     </p:spTree>
   </p:cSld>
   <p:clrMapOvr>
